--- a/Modelo de Apresentação Padrão 2016 - RAFAEL HIROSHI TAGATA.pptx
+++ b/Modelo de Apresentação Padrão 2016 - RAFAEL HIROSHI TAGATA.pptx
@@ -5,7 +5,7 @@
     <p:sldMasterId id="2147483651" r:id="rId4"/>
   </p:sldMasterIdLst>
   <p:notesMasterIdLst>
-    <p:notesMasterId r:id="rId18"/>
+    <p:notesMasterId r:id="rId17"/>
   </p:notesMasterIdLst>
   <p:sldIdLst>
     <p:sldId id="256" r:id="rId5"/>
@@ -18,9 +18,8 @@
     <p:sldId id="270" r:id="rId12"/>
     <p:sldId id="268" r:id="rId13"/>
     <p:sldId id="269" r:id="rId14"/>
-    <p:sldId id="264" r:id="rId15"/>
-    <p:sldId id="263" r:id="rId16"/>
-    <p:sldId id="258" r:id="rId17"/>
+    <p:sldId id="263" r:id="rId15"/>
+    <p:sldId id="258" r:id="rId16"/>
   </p:sldIdLst>
   <p:sldSz cx="9144000" cy="5143500" type="screen16x9"/>
   <p:notesSz cx="6858000" cy="9144000"/>
@@ -4517,27 +4516,7 @@
         <a:p>
           <a:r>
             <a:rPr lang="pt-BR" b="1" i="0" dirty="0" smtClean="0"/>
-            <a:t>Recebe </a:t>
-          </a:r>
-          <a:r>
-            <a:rPr lang="pt-BR" b="1" i="0" dirty="0" smtClean="0"/>
-            <a:t>idade</a:t>
-          </a:r>
-          <a:r>
-            <a:rPr lang="pt-BR" b="1" i="0" dirty="0" smtClean="0"/>
-            <a:t> </a:t>
-          </a:r>
-          <a:r>
-            <a:rPr lang="pt-BR" b="1" i="0" dirty="0" smtClean="0"/>
-            <a:t>e </a:t>
-          </a:r>
-          <a:r>
-            <a:rPr lang="pt-BR" b="1" i="0" dirty="0" smtClean="0"/>
-            <a:t>valores </a:t>
-          </a:r>
-          <a:r>
-            <a:rPr lang="pt-BR" b="1" i="0" dirty="0" smtClean="0"/>
-            <a:t>indicados pelo usuário para estimativa de valor futuro</a:t>
+            <a:t>Recebe idade e valores indicados pelo usuário para estimativa de valor futuro</a:t>
           </a:r>
           <a:endParaRPr lang="pt-BR" b="1" dirty="0">
             <a:latin typeface="Century Gothic" panose="020B0502020202020204" pitchFamily="34" charset="0"/>
@@ -5039,6 +5018,1877 @@
       <dsp:cNvGrpSpPr/>
     </dsp:nvGrpSpPr>
     <dsp:grpSpPr/>
+    <dsp:sp modelId="{C1922092-F075-45A6-B160-893A12DA20A1}">
+      <dsp:nvSpPr>
+        <dsp:cNvPr id="0" name=""/>
+        <dsp:cNvSpPr/>
+      </dsp:nvSpPr>
+      <dsp:spPr>
+        <a:xfrm>
+          <a:off x="6531475" y="2592470"/>
+          <a:ext cx="159224" cy="488289"/>
+        </a:xfrm>
+        <a:custGeom>
+          <a:avLst/>
+          <a:gdLst/>
+          <a:ahLst/>
+          <a:cxnLst/>
+          <a:rect l="0" t="0" r="0" b="0"/>
+          <a:pathLst>
+            <a:path>
+              <a:moveTo>
+                <a:pt x="0" y="0"/>
+              </a:moveTo>
+              <a:lnTo>
+                <a:pt x="0" y="488289"/>
+              </a:lnTo>
+              <a:lnTo>
+                <a:pt x="159224" y="488289"/>
+              </a:lnTo>
+            </a:path>
+          </a:pathLst>
+        </a:custGeom>
+        <a:noFill/>
+        <a:ln w="25400" cap="flat" cmpd="sng" algn="ctr">
+          <a:solidFill>
+            <a:schemeClr val="accent1">
+              <a:shade val="80000"/>
+              <a:hueOff val="0"/>
+              <a:satOff val="0"/>
+              <a:lumOff val="0"/>
+              <a:alphaOff val="0"/>
+            </a:schemeClr>
+          </a:solidFill>
+          <a:prstDash val="solid"/>
+        </a:ln>
+        <a:effectLst/>
+      </dsp:spPr>
+      <dsp:style>
+        <a:lnRef idx="2">
+          <a:scrgbClr r="0" g="0" b="0"/>
+        </a:lnRef>
+        <a:fillRef idx="0">
+          <a:scrgbClr r="0" g="0" b="0"/>
+        </a:fillRef>
+        <a:effectRef idx="0">
+          <a:scrgbClr r="0" g="0" b="0"/>
+        </a:effectRef>
+        <a:fontRef idx="minor"/>
+      </dsp:style>
+    </dsp:sp>
+    <dsp:sp modelId="{335C96A7-5183-46BA-B277-4541FEE4AE58}">
+      <dsp:nvSpPr>
+        <dsp:cNvPr id="0" name=""/>
+        <dsp:cNvSpPr/>
+      </dsp:nvSpPr>
+      <dsp:spPr>
+        <a:xfrm>
+          <a:off x="3745039" y="1838806"/>
+          <a:ext cx="3211035" cy="222914"/>
+        </a:xfrm>
+        <a:custGeom>
+          <a:avLst/>
+          <a:gdLst/>
+          <a:ahLst/>
+          <a:cxnLst/>
+          <a:rect l="0" t="0" r="0" b="0"/>
+          <a:pathLst>
+            <a:path>
+              <a:moveTo>
+                <a:pt x="0" y="0"/>
+              </a:moveTo>
+              <a:lnTo>
+                <a:pt x="0" y="111457"/>
+              </a:lnTo>
+              <a:lnTo>
+                <a:pt x="3211035" y="111457"/>
+              </a:lnTo>
+              <a:lnTo>
+                <a:pt x="3211035" y="222914"/>
+              </a:lnTo>
+            </a:path>
+          </a:pathLst>
+        </a:custGeom>
+        <a:noFill/>
+        <a:ln w="25400" cap="flat" cmpd="sng" algn="ctr">
+          <a:solidFill>
+            <a:schemeClr val="accent1">
+              <a:shade val="60000"/>
+              <a:hueOff val="0"/>
+              <a:satOff val="0"/>
+              <a:lumOff val="0"/>
+              <a:alphaOff val="0"/>
+            </a:schemeClr>
+          </a:solidFill>
+          <a:prstDash val="solid"/>
+        </a:ln>
+        <a:effectLst/>
+      </dsp:spPr>
+      <dsp:style>
+        <a:lnRef idx="2">
+          <a:scrgbClr r="0" g="0" b="0"/>
+        </a:lnRef>
+        <a:fillRef idx="0">
+          <a:scrgbClr r="0" g="0" b="0"/>
+        </a:fillRef>
+        <a:effectRef idx="0">
+          <a:scrgbClr r="0" g="0" b="0"/>
+        </a:effectRef>
+        <a:fontRef idx="minor"/>
+      </dsp:style>
+    </dsp:sp>
+    <dsp:sp modelId="{E447A3CB-A5FC-4E5B-B127-6A220CA6408C}">
+      <dsp:nvSpPr>
+        <dsp:cNvPr id="0" name=""/>
+        <dsp:cNvSpPr/>
+      </dsp:nvSpPr>
+      <dsp:spPr>
+        <a:xfrm>
+          <a:off x="5247061" y="2592470"/>
+          <a:ext cx="159224" cy="488289"/>
+        </a:xfrm>
+        <a:custGeom>
+          <a:avLst/>
+          <a:gdLst/>
+          <a:ahLst/>
+          <a:cxnLst/>
+          <a:rect l="0" t="0" r="0" b="0"/>
+          <a:pathLst>
+            <a:path>
+              <a:moveTo>
+                <a:pt x="0" y="0"/>
+              </a:moveTo>
+              <a:lnTo>
+                <a:pt x="0" y="488289"/>
+              </a:lnTo>
+              <a:lnTo>
+                <a:pt x="159224" y="488289"/>
+              </a:lnTo>
+            </a:path>
+          </a:pathLst>
+        </a:custGeom>
+        <a:noFill/>
+        <a:ln w="25400" cap="flat" cmpd="sng" algn="ctr">
+          <a:solidFill>
+            <a:schemeClr val="accent1">
+              <a:shade val="80000"/>
+              <a:hueOff val="0"/>
+              <a:satOff val="0"/>
+              <a:lumOff val="0"/>
+              <a:alphaOff val="0"/>
+            </a:schemeClr>
+          </a:solidFill>
+          <a:prstDash val="solid"/>
+        </a:ln>
+        <a:effectLst/>
+      </dsp:spPr>
+      <dsp:style>
+        <a:lnRef idx="2">
+          <a:scrgbClr r="0" g="0" b="0"/>
+        </a:lnRef>
+        <a:fillRef idx="0">
+          <a:scrgbClr r="0" g="0" b="0"/>
+        </a:fillRef>
+        <a:effectRef idx="0">
+          <a:scrgbClr r="0" g="0" b="0"/>
+        </a:effectRef>
+        <a:fontRef idx="minor"/>
+      </dsp:style>
+    </dsp:sp>
+    <dsp:sp modelId="{187FF03E-3F81-4023-9CEB-3918EFFE3E50}">
+      <dsp:nvSpPr>
+        <dsp:cNvPr id="0" name=""/>
+        <dsp:cNvSpPr/>
+      </dsp:nvSpPr>
+      <dsp:spPr>
+        <a:xfrm>
+          <a:off x="3745039" y="1838806"/>
+          <a:ext cx="1926621" cy="222914"/>
+        </a:xfrm>
+        <a:custGeom>
+          <a:avLst/>
+          <a:gdLst/>
+          <a:ahLst/>
+          <a:cxnLst/>
+          <a:rect l="0" t="0" r="0" b="0"/>
+          <a:pathLst>
+            <a:path>
+              <a:moveTo>
+                <a:pt x="0" y="0"/>
+              </a:moveTo>
+              <a:lnTo>
+                <a:pt x="0" y="111457"/>
+              </a:lnTo>
+              <a:lnTo>
+                <a:pt x="1926621" y="111457"/>
+              </a:lnTo>
+              <a:lnTo>
+                <a:pt x="1926621" y="222914"/>
+              </a:lnTo>
+            </a:path>
+          </a:pathLst>
+        </a:custGeom>
+        <a:noFill/>
+        <a:ln w="25400" cap="flat" cmpd="sng" algn="ctr">
+          <a:solidFill>
+            <a:schemeClr val="accent1">
+              <a:shade val="60000"/>
+              <a:hueOff val="0"/>
+              <a:satOff val="0"/>
+              <a:lumOff val="0"/>
+              <a:alphaOff val="0"/>
+            </a:schemeClr>
+          </a:solidFill>
+          <a:prstDash val="solid"/>
+        </a:ln>
+        <a:effectLst/>
+      </dsp:spPr>
+      <dsp:style>
+        <a:lnRef idx="2">
+          <a:scrgbClr r="0" g="0" b="0"/>
+        </a:lnRef>
+        <a:fillRef idx="0">
+          <a:scrgbClr r="0" g="0" b="0"/>
+        </a:fillRef>
+        <a:effectRef idx="0">
+          <a:scrgbClr r="0" g="0" b="0"/>
+        </a:effectRef>
+        <a:fontRef idx="minor"/>
+      </dsp:style>
+    </dsp:sp>
+    <dsp:sp modelId="{138E3873-25FC-49CA-9F1E-D78246387A7D}">
+      <dsp:nvSpPr>
+        <dsp:cNvPr id="0" name=""/>
+        <dsp:cNvSpPr/>
+      </dsp:nvSpPr>
+      <dsp:spPr>
+        <a:xfrm>
+          <a:off x="3962646" y="2592470"/>
+          <a:ext cx="159224" cy="488289"/>
+        </a:xfrm>
+        <a:custGeom>
+          <a:avLst/>
+          <a:gdLst/>
+          <a:ahLst/>
+          <a:cxnLst/>
+          <a:rect l="0" t="0" r="0" b="0"/>
+          <a:pathLst>
+            <a:path>
+              <a:moveTo>
+                <a:pt x="0" y="0"/>
+              </a:moveTo>
+              <a:lnTo>
+                <a:pt x="0" y="488289"/>
+              </a:lnTo>
+              <a:lnTo>
+                <a:pt x="159224" y="488289"/>
+              </a:lnTo>
+            </a:path>
+          </a:pathLst>
+        </a:custGeom>
+        <a:noFill/>
+        <a:ln w="25400" cap="flat" cmpd="sng" algn="ctr">
+          <a:solidFill>
+            <a:schemeClr val="accent1">
+              <a:shade val="80000"/>
+              <a:hueOff val="0"/>
+              <a:satOff val="0"/>
+              <a:lumOff val="0"/>
+              <a:alphaOff val="0"/>
+            </a:schemeClr>
+          </a:solidFill>
+          <a:prstDash val="solid"/>
+        </a:ln>
+        <a:effectLst/>
+      </dsp:spPr>
+      <dsp:style>
+        <a:lnRef idx="2">
+          <a:scrgbClr r="0" g="0" b="0"/>
+        </a:lnRef>
+        <a:fillRef idx="0">
+          <a:scrgbClr r="0" g="0" b="0"/>
+        </a:fillRef>
+        <a:effectRef idx="0">
+          <a:scrgbClr r="0" g="0" b="0"/>
+        </a:effectRef>
+        <a:fontRef idx="minor"/>
+      </dsp:style>
+    </dsp:sp>
+    <dsp:sp modelId="{01D6497B-2639-44D2-B0D2-10037905144B}">
+      <dsp:nvSpPr>
+        <dsp:cNvPr id="0" name=""/>
+        <dsp:cNvSpPr/>
+      </dsp:nvSpPr>
+      <dsp:spPr>
+        <a:xfrm>
+          <a:off x="3745039" y="1838806"/>
+          <a:ext cx="642207" cy="222914"/>
+        </a:xfrm>
+        <a:custGeom>
+          <a:avLst/>
+          <a:gdLst/>
+          <a:ahLst/>
+          <a:cxnLst/>
+          <a:rect l="0" t="0" r="0" b="0"/>
+          <a:pathLst>
+            <a:path>
+              <a:moveTo>
+                <a:pt x="0" y="0"/>
+              </a:moveTo>
+              <a:lnTo>
+                <a:pt x="0" y="111457"/>
+              </a:lnTo>
+              <a:lnTo>
+                <a:pt x="642207" y="111457"/>
+              </a:lnTo>
+              <a:lnTo>
+                <a:pt x="642207" y="222914"/>
+              </a:lnTo>
+            </a:path>
+          </a:pathLst>
+        </a:custGeom>
+        <a:noFill/>
+        <a:ln w="25400" cap="flat" cmpd="sng" algn="ctr">
+          <a:solidFill>
+            <a:schemeClr val="accent1">
+              <a:shade val="60000"/>
+              <a:hueOff val="0"/>
+              <a:satOff val="0"/>
+              <a:lumOff val="0"/>
+              <a:alphaOff val="0"/>
+            </a:schemeClr>
+          </a:solidFill>
+          <a:prstDash val="solid"/>
+        </a:ln>
+        <a:effectLst/>
+      </dsp:spPr>
+      <dsp:style>
+        <a:lnRef idx="2">
+          <a:scrgbClr r="0" g="0" b="0"/>
+        </a:lnRef>
+        <a:fillRef idx="0">
+          <a:scrgbClr r="0" g="0" b="0"/>
+        </a:fillRef>
+        <a:effectRef idx="0">
+          <a:scrgbClr r="0" g="0" b="0"/>
+        </a:effectRef>
+        <a:fontRef idx="minor"/>
+      </dsp:style>
+    </dsp:sp>
+    <dsp:sp modelId="{AF8EC200-D13C-47CA-873B-981DD1B05111}">
+      <dsp:nvSpPr>
+        <dsp:cNvPr id="0" name=""/>
+        <dsp:cNvSpPr/>
+      </dsp:nvSpPr>
+      <dsp:spPr>
+        <a:xfrm>
+          <a:off x="2678232" y="2592470"/>
+          <a:ext cx="159224" cy="488289"/>
+        </a:xfrm>
+        <a:custGeom>
+          <a:avLst/>
+          <a:gdLst/>
+          <a:ahLst/>
+          <a:cxnLst/>
+          <a:rect l="0" t="0" r="0" b="0"/>
+          <a:pathLst>
+            <a:path>
+              <a:moveTo>
+                <a:pt x="0" y="0"/>
+              </a:moveTo>
+              <a:lnTo>
+                <a:pt x="0" y="488289"/>
+              </a:lnTo>
+              <a:lnTo>
+                <a:pt x="159224" y="488289"/>
+              </a:lnTo>
+            </a:path>
+          </a:pathLst>
+        </a:custGeom>
+        <a:noFill/>
+        <a:ln w="25400" cap="flat" cmpd="sng" algn="ctr">
+          <a:solidFill>
+            <a:schemeClr val="accent1">
+              <a:shade val="80000"/>
+              <a:hueOff val="0"/>
+              <a:satOff val="0"/>
+              <a:lumOff val="0"/>
+              <a:alphaOff val="0"/>
+            </a:schemeClr>
+          </a:solidFill>
+          <a:prstDash val="solid"/>
+        </a:ln>
+        <a:effectLst/>
+      </dsp:spPr>
+      <dsp:style>
+        <a:lnRef idx="2">
+          <a:scrgbClr r="0" g="0" b="0"/>
+        </a:lnRef>
+        <a:fillRef idx="0">
+          <a:scrgbClr r="0" g="0" b="0"/>
+        </a:fillRef>
+        <a:effectRef idx="0">
+          <a:scrgbClr r="0" g="0" b="0"/>
+        </a:effectRef>
+        <a:fontRef idx="minor"/>
+      </dsp:style>
+    </dsp:sp>
+    <dsp:sp modelId="{00CA0B9B-EB83-4707-8780-1D6F5571F45C}">
+      <dsp:nvSpPr>
+        <dsp:cNvPr id="0" name=""/>
+        <dsp:cNvSpPr/>
+      </dsp:nvSpPr>
+      <dsp:spPr>
+        <a:xfrm>
+          <a:off x="3102832" y="1838806"/>
+          <a:ext cx="642207" cy="222914"/>
+        </a:xfrm>
+        <a:custGeom>
+          <a:avLst/>
+          <a:gdLst/>
+          <a:ahLst/>
+          <a:cxnLst/>
+          <a:rect l="0" t="0" r="0" b="0"/>
+          <a:pathLst>
+            <a:path>
+              <a:moveTo>
+                <a:pt x="642207" y="0"/>
+              </a:moveTo>
+              <a:lnTo>
+                <a:pt x="642207" y="111457"/>
+              </a:lnTo>
+              <a:lnTo>
+                <a:pt x="0" y="111457"/>
+              </a:lnTo>
+              <a:lnTo>
+                <a:pt x="0" y="222914"/>
+              </a:lnTo>
+            </a:path>
+          </a:pathLst>
+        </a:custGeom>
+        <a:noFill/>
+        <a:ln w="25400" cap="flat" cmpd="sng" algn="ctr">
+          <a:solidFill>
+            <a:schemeClr val="accent1">
+              <a:shade val="60000"/>
+              <a:hueOff val="0"/>
+              <a:satOff val="0"/>
+              <a:lumOff val="0"/>
+              <a:alphaOff val="0"/>
+            </a:schemeClr>
+          </a:solidFill>
+          <a:prstDash val="solid"/>
+        </a:ln>
+        <a:effectLst/>
+      </dsp:spPr>
+      <dsp:style>
+        <a:lnRef idx="2">
+          <a:scrgbClr r="0" g="0" b="0"/>
+        </a:lnRef>
+        <a:fillRef idx="0">
+          <a:scrgbClr r="0" g="0" b="0"/>
+        </a:fillRef>
+        <a:effectRef idx="0">
+          <a:scrgbClr r="0" g="0" b="0"/>
+        </a:effectRef>
+        <a:fontRef idx="minor"/>
+      </dsp:style>
+    </dsp:sp>
+    <dsp:sp modelId="{6A038AAC-669B-4630-837B-B54651280B63}">
+      <dsp:nvSpPr>
+        <dsp:cNvPr id="0" name=""/>
+        <dsp:cNvSpPr/>
+      </dsp:nvSpPr>
+      <dsp:spPr>
+        <a:xfrm>
+          <a:off x="1393818" y="2592470"/>
+          <a:ext cx="159224" cy="488289"/>
+        </a:xfrm>
+        <a:custGeom>
+          <a:avLst/>
+          <a:gdLst/>
+          <a:ahLst/>
+          <a:cxnLst/>
+          <a:rect l="0" t="0" r="0" b="0"/>
+          <a:pathLst>
+            <a:path>
+              <a:moveTo>
+                <a:pt x="0" y="0"/>
+              </a:moveTo>
+              <a:lnTo>
+                <a:pt x="0" y="488289"/>
+              </a:lnTo>
+              <a:lnTo>
+                <a:pt x="159224" y="488289"/>
+              </a:lnTo>
+            </a:path>
+          </a:pathLst>
+        </a:custGeom>
+        <a:noFill/>
+        <a:ln w="25400" cap="flat" cmpd="sng" algn="ctr">
+          <a:solidFill>
+            <a:schemeClr val="accent1">
+              <a:shade val="80000"/>
+              <a:hueOff val="0"/>
+              <a:satOff val="0"/>
+              <a:lumOff val="0"/>
+              <a:alphaOff val="0"/>
+            </a:schemeClr>
+          </a:solidFill>
+          <a:prstDash val="solid"/>
+        </a:ln>
+        <a:effectLst/>
+      </dsp:spPr>
+      <dsp:style>
+        <a:lnRef idx="2">
+          <a:scrgbClr r="0" g="0" b="0"/>
+        </a:lnRef>
+        <a:fillRef idx="0">
+          <a:scrgbClr r="0" g="0" b="0"/>
+        </a:fillRef>
+        <a:effectRef idx="0">
+          <a:scrgbClr r="0" g="0" b="0"/>
+        </a:effectRef>
+        <a:fontRef idx="minor"/>
+      </dsp:style>
+    </dsp:sp>
+    <dsp:sp modelId="{98B105F9-DEED-44ED-B278-995884C13A0A}">
+      <dsp:nvSpPr>
+        <dsp:cNvPr id="0" name=""/>
+        <dsp:cNvSpPr/>
+      </dsp:nvSpPr>
+      <dsp:spPr>
+        <a:xfrm>
+          <a:off x="1818418" y="1838806"/>
+          <a:ext cx="1926621" cy="222914"/>
+        </a:xfrm>
+        <a:custGeom>
+          <a:avLst/>
+          <a:gdLst/>
+          <a:ahLst/>
+          <a:cxnLst/>
+          <a:rect l="0" t="0" r="0" b="0"/>
+          <a:pathLst>
+            <a:path>
+              <a:moveTo>
+                <a:pt x="1926621" y="0"/>
+              </a:moveTo>
+              <a:lnTo>
+                <a:pt x="1926621" y="111457"/>
+              </a:lnTo>
+              <a:lnTo>
+                <a:pt x="0" y="111457"/>
+              </a:lnTo>
+              <a:lnTo>
+                <a:pt x="0" y="222914"/>
+              </a:lnTo>
+            </a:path>
+          </a:pathLst>
+        </a:custGeom>
+        <a:noFill/>
+        <a:ln w="25400" cap="flat" cmpd="sng" algn="ctr">
+          <a:solidFill>
+            <a:schemeClr val="accent1">
+              <a:shade val="60000"/>
+              <a:hueOff val="0"/>
+              <a:satOff val="0"/>
+              <a:lumOff val="0"/>
+              <a:alphaOff val="0"/>
+            </a:schemeClr>
+          </a:solidFill>
+          <a:prstDash val="solid"/>
+        </a:ln>
+        <a:effectLst/>
+      </dsp:spPr>
+      <dsp:style>
+        <a:lnRef idx="2">
+          <a:scrgbClr r="0" g="0" b="0"/>
+        </a:lnRef>
+        <a:fillRef idx="0">
+          <a:scrgbClr r="0" g="0" b="0"/>
+        </a:fillRef>
+        <a:effectRef idx="0">
+          <a:scrgbClr r="0" g="0" b="0"/>
+        </a:effectRef>
+        <a:fontRef idx="minor"/>
+      </dsp:style>
+    </dsp:sp>
+    <dsp:sp modelId="{095BD40A-6792-43CC-BE1E-C57EC8D408FC}">
+      <dsp:nvSpPr>
+        <dsp:cNvPr id="0" name=""/>
+        <dsp:cNvSpPr/>
+      </dsp:nvSpPr>
+      <dsp:spPr>
+        <a:xfrm>
+          <a:off x="109404" y="2592470"/>
+          <a:ext cx="159224" cy="488289"/>
+        </a:xfrm>
+        <a:custGeom>
+          <a:avLst/>
+          <a:gdLst/>
+          <a:ahLst/>
+          <a:cxnLst/>
+          <a:rect l="0" t="0" r="0" b="0"/>
+          <a:pathLst>
+            <a:path>
+              <a:moveTo>
+                <a:pt x="0" y="0"/>
+              </a:moveTo>
+              <a:lnTo>
+                <a:pt x="0" y="488289"/>
+              </a:lnTo>
+              <a:lnTo>
+                <a:pt x="159224" y="488289"/>
+              </a:lnTo>
+            </a:path>
+          </a:pathLst>
+        </a:custGeom>
+        <a:noFill/>
+        <a:ln w="25400" cap="flat" cmpd="sng" algn="ctr">
+          <a:solidFill>
+            <a:schemeClr val="accent1">
+              <a:shade val="80000"/>
+              <a:hueOff val="0"/>
+              <a:satOff val="0"/>
+              <a:lumOff val="0"/>
+              <a:alphaOff val="0"/>
+            </a:schemeClr>
+          </a:solidFill>
+          <a:prstDash val="solid"/>
+        </a:ln>
+        <a:effectLst/>
+      </dsp:spPr>
+      <dsp:style>
+        <a:lnRef idx="2">
+          <a:scrgbClr r="0" g="0" b="0"/>
+        </a:lnRef>
+        <a:fillRef idx="0">
+          <a:scrgbClr r="0" g="0" b="0"/>
+        </a:fillRef>
+        <a:effectRef idx="0">
+          <a:scrgbClr r="0" g="0" b="0"/>
+        </a:effectRef>
+        <a:fontRef idx="minor"/>
+      </dsp:style>
+    </dsp:sp>
+    <dsp:sp modelId="{1A542051-1B17-4067-8611-8123CFB07883}">
+      <dsp:nvSpPr>
+        <dsp:cNvPr id="0" name=""/>
+        <dsp:cNvSpPr/>
+      </dsp:nvSpPr>
+      <dsp:spPr>
+        <a:xfrm>
+          <a:off x="534004" y="1838806"/>
+          <a:ext cx="3211035" cy="222914"/>
+        </a:xfrm>
+        <a:custGeom>
+          <a:avLst/>
+          <a:gdLst/>
+          <a:ahLst/>
+          <a:cxnLst/>
+          <a:rect l="0" t="0" r="0" b="0"/>
+          <a:pathLst>
+            <a:path>
+              <a:moveTo>
+                <a:pt x="3211035" y="0"/>
+              </a:moveTo>
+              <a:lnTo>
+                <a:pt x="3211035" y="111457"/>
+              </a:lnTo>
+              <a:lnTo>
+                <a:pt x="0" y="111457"/>
+              </a:lnTo>
+              <a:lnTo>
+                <a:pt x="0" y="222914"/>
+              </a:lnTo>
+            </a:path>
+          </a:pathLst>
+        </a:custGeom>
+        <a:noFill/>
+        <a:ln w="25400" cap="flat" cmpd="sng" algn="ctr">
+          <a:solidFill>
+            <a:schemeClr val="accent1">
+              <a:shade val="60000"/>
+              <a:hueOff val="0"/>
+              <a:satOff val="0"/>
+              <a:lumOff val="0"/>
+              <a:alphaOff val="0"/>
+            </a:schemeClr>
+          </a:solidFill>
+          <a:prstDash val="solid"/>
+        </a:ln>
+        <a:effectLst/>
+      </dsp:spPr>
+      <dsp:style>
+        <a:lnRef idx="2">
+          <a:scrgbClr r="0" g="0" b="0"/>
+        </a:lnRef>
+        <a:fillRef idx="0">
+          <a:scrgbClr r="0" g="0" b="0"/>
+        </a:fillRef>
+        <a:effectRef idx="0">
+          <a:scrgbClr r="0" g="0" b="0"/>
+        </a:effectRef>
+        <a:fontRef idx="minor"/>
+      </dsp:style>
+    </dsp:sp>
+    <dsp:sp modelId="{665356AA-ACD5-4BE6-AB42-1AF72570AAD1}">
+      <dsp:nvSpPr>
+        <dsp:cNvPr id="0" name=""/>
+        <dsp:cNvSpPr/>
+      </dsp:nvSpPr>
+      <dsp:spPr>
+        <a:xfrm>
+          <a:off x="3214289" y="1308056"/>
+          <a:ext cx="1061499" cy="530749"/>
+        </a:xfrm>
+        <a:prstGeom prst="rect">
+          <a:avLst/>
+        </a:prstGeom>
+        <a:solidFill>
+          <a:schemeClr val="accent1">
+            <a:hueOff val="0"/>
+            <a:satOff val="0"/>
+            <a:lumOff val="0"/>
+            <a:alphaOff val="0"/>
+          </a:schemeClr>
+        </a:solidFill>
+        <a:ln w="25400" cap="flat" cmpd="sng" algn="ctr">
+          <a:solidFill>
+            <a:schemeClr val="lt1">
+              <a:hueOff val="0"/>
+              <a:satOff val="0"/>
+              <a:lumOff val="0"/>
+              <a:alphaOff val="0"/>
+            </a:schemeClr>
+          </a:solidFill>
+          <a:prstDash val="solid"/>
+        </a:ln>
+        <a:effectLst/>
+      </dsp:spPr>
+      <dsp:style>
+        <a:lnRef idx="2">
+          <a:scrgbClr r="0" g="0" b="0"/>
+        </a:lnRef>
+        <a:fillRef idx="1">
+          <a:scrgbClr r="0" g="0" b="0"/>
+        </a:fillRef>
+        <a:effectRef idx="0">
+          <a:scrgbClr r="0" g="0" b="0"/>
+        </a:effectRef>
+        <a:fontRef idx="minor">
+          <a:schemeClr val="lt1"/>
+        </a:fontRef>
+      </dsp:style>
+      <dsp:txBody>
+        <a:bodyPr spcFirstLastPara="0" vert="horz" wrap="square" lIns="4445" tIns="4445" rIns="4445" bIns="4445" numCol="1" spcCol="1270" anchor="ctr" anchorCtr="0">
+          <a:noAutofit/>
+        </a:bodyPr>
+        <a:lstStyle/>
+        <a:p>
+          <a:pPr lvl="0" algn="ctr" defTabSz="311150">
+            <a:lnSpc>
+              <a:spcPct val="90000"/>
+            </a:lnSpc>
+            <a:spcBef>
+              <a:spcPct val="0"/>
+            </a:spcBef>
+            <a:spcAft>
+              <a:spcPct val="35000"/>
+            </a:spcAft>
+          </a:pPr>
+          <a:r>
+            <a:rPr lang="pt-BR" sz="700" kern="1200" dirty="0" smtClean="0"/>
+            <a:t>INDEXLOGADO</a:t>
+          </a:r>
+          <a:endParaRPr lang="pt-BR" sz="700" kern="1200" dirty="0"/>
+        </a:p>
+      </dsp:txBody>
+      <dsp:txXfrm>
+        <a:off x="3214289" y="1308056"/>
+        <a:ext cx="1061499" cy="530749"/>
+      </dsp:txXfrm>
+    </dsp:sp>
+    <dsp:sp modelId="{CD1D87DC-A9A6-4C60-9551-32D4758A80D2}">
+      <dsp:nvSpPr>
+        <dsp:cNvPr id="0" name=""/>
+        <dsp:cNvSpPr/>
+      </dsp:nvSpPr>
+      <dsp:spPr>
+        <a:xfrm>
+          <a:off x="3254" y="2061721"/>
+          <a:ext cx="1061499" cy="530749"/>
+        </a:xfrm>
+        <a:prstGeom prst="rect">
+          <a:avLst/>
+        </a:prstGeom>
+        <a:solidFill>
+          <a:schemeClr val="accent1">
+            <a:hueOff val="0"/>
+            <a:satOff val="0"/>
+            <a:lumOff val="0"/>
+            <a:alphaOff val="0"/>
+          </a:schemeClr>
+        </a:solidFill>
+        <a:ln w="25400" cap="flat" cmpd="sng" algn="ctr">
+          <a:solidFill>
+            <a:schemeClr val="lt1">
+              <a:hueOff val="0"/>
+              <a:satOff val="0"/>
+              <a:lumOff val="0"/>
+              <a:alphaOff val="0"/>
+            </a:schemeClr>
+          </a:solidFill>
+          <a:prstDash val="solid"/>
+        </a:ln>
+        <a:effectLst/>
+      </dsp:spPr>
+      <dsp:style>
+        <a:lnRef idx="2">
+          <a:scrgbClr r="0" g="0" b="0"/>
+        </a:lnRef>
+        <a:fillRef idx="1">
+          <a:scrgbClr r="0" g="0" b="0"/>
+        </a:fillRef>
+        <a:effectRef idx="0">
+          <a:scrgbClr r="0" g="0" b="0"/>
+        </a:effectRef>
+        <a:fontRef idx="minor">
+          <a:schemeClr val="lt1"/>
+        </a:fontRef>
+      </dsp:style>
+      <dsp:txBody>
+        <a:bodyPr spcFirstLastPara="0" vert="horz" wrap="square" lIns="4445" tIns="4445" rIns="4445" bIns="4445" numCol="1" spcCol="1270" anchor="ctr" anchorCtr="0">
+          <a:noAutofit/>
+        </a:bodyPr>
+        <a:lstStyle/>
+        <a:p>
+          <a:pPr lvl="0" algn="ctr" defTabSz="311150">
+            <a:lnSpc>
+              <a:spcPct val="90000"/>
+            </a:lnSpc>
+            <a:spcBef>
+              <a:spcPct val="0"/>
+            </a:spcBef>
+            <a:spcAft>
+              <a:spcPct val="35000"/>
+            </a:spcAft>
+          </a:pPr>
+          <a:r>
+            <a:rPr lang="pt-BR" sz="700" kern="1200" dirty="0" smtClean="0"/>
+            <a:t>CONTROLE USUÁRIO</a:t>
+          </a:r>
+        </a:p>
+      </dsp:txBody>
+      <dsp:txXfrm>
+        <a:off x="3254" y="2061721"/>
+        <a:ext cx="1061499" cy="530749"/>
+      </dsp:txXfrm>
+    </dsp:sp>
+    <dsp:sp modelId="{95DC5BFF-6796-4261-8EC8-919AFABB604E}">
+      <dsp:nvSpPr>
+        <dsp:cNvPr id="0" name=""/>
+        <dsp:cNvSpPr/>
+      </dsp:nvSpPr>
+      <dsp:spPr>
+        <a:xfrm>
+          <a:off x="268629" y="2815385"/>
+          <a:ext cx="1061499" cy="530749"/>
+        </a:xfrm>
+        <a:prstGeom prst="rect">
+          <a:avLst/>
+        </a:prstGeom>
+        <a:solidFill>
+          <a:schemeClr val="accent1">
+            <a:hueOff val="0"/>
+            <a:satOff val="0"/>
+            <a:lumOff val="0"/>
+            <a:alphaOff val="0"/>
+          </a:schemeClr>
+        </a:solidFill>
+        <a:ln w="25400" cap="flat" cmpd="sng" algn="ctr">
+          <a:solidFill>
+            <a:schemeClr val="lt1">
+              <a:hueOff val="0"/>
+              <a:satOff val="0"/>
+              <a:lumOff val="0"/>
+              <a:alphaOff val="0"/>
+            </a:schemeClr>
+          </a:solidFill>
+          <a:prstDash val="solid"/>
+        </a:ln>
+        <a:effectLst/>
+      </dsp:spPr>
+      <dsp:style>
+        <a:lnRef idx="2">
+          <a:scrgbClr r="0" g="0" b="0"/>
+        </a:lnRef>
+        <a:fillRef idx="1">
+          <a:scrgbClr r="0" g="0" b="0"/>
+        </a:fillRef>
+        <a:effectRef idx="0">
+          <a:scrgbClr r="0" g="0" b="0"/>
+        </a:effectRef>
+        <a:fontRef idx="minor">
+          <a:schemeClr val="lt1"/>
+        </a:fontRef>
+      </dsp:style>
+      <dsp:txBody>
+        <a:bodyPr spcFirstLastPara="0" vert="horz" wrap="square" lIns="4445" tIns="4445" rIns="4445" bIns="4445" numCol="1" spcCol="1270" anchor="ctr" anchorCtr="0">
+          <a:noAutofit/>
+        </a:bodyPr>
+        <a:lstStyle/>
+        <a:p>
+          <a:pPr lvl="0" algn="ctr" defTabSz="311150">
+            <a:lnSpc>
+              <a:spcPct val="90000"/>
+            </a:lnSpc>
+            <a:spcBef>
+              <a:spcPct val="0"/>
+            </a:spcBef>
+            <a:spcAft>
+              <a:spcPct val="35000"/>
+            </a:spcAft>
+          </a:pPr>
+          <a:r>
+            <a:rPr lang="pt-BR" sz="700" kern="1200" dirty="0" err="1" smtClean="0"/>
+            <a:t>JSPs</a:t>
+          </a:r>
+          <a:endParaRPr lang="pt-BR" sz="700" kern="1200" dirty="0" smtClean="0"/>
+        </a:p>
+        <a:p>
+          <a:pPr lvl="0" algn="ctr" defTabSz="311150">
+            <a:lnSpc>
+              <a:spcPct val="90000"/>
+            </a:lnSpc>
+            <a:spcBef>
+              <a:spcPct val="0"/>
+            </a:spcBef>
+            <a:spcAft>
+              <a:spcPct val="35000"/>
+            </a:spcAft>
+          </a:pPr>
+          <a:r>
+            <a:rPr lang="pt-BR" sz="700" kern="1200" dirty="0" smtClean="0"/>
+            <a:t>Toda a aplicação</a:t>
+          </a:r>
+          <a:endParaRPr lang="pt-BR" sz="700" kern="1200" dirty="0"/>
+        </a:p>
+      </dsp:txBody>
+      <dsp:txXfrm>
+        <a:off x="268629" y="2815385"/>
+        <a:ext cx="1061499" cy="530749"/>
+      </dsp:txXfrm>
+    </dsp:sp>
+    <dsp:sp modelId="{A210CE52-96F0-407B-82D5-C9BB733850C3}">
+      <dsp:nvSpPr>
+        <dsp:cNvPr id="0" name=""/>
+        <dsp:cNvSpPr/>
+      </dsp:nvSpPr>
+      <dsp:spPr>
+        <a:xfrm>
+          <a:off x="1287668" y="2061721"/>
+          <a:ext cx="1061499" cy="530749"/>
+        </a:xfrm>
+        <a:prstGeom prst="rect">
+          <a:avLst/>
+        </a:prstGeom>
+        <a:solidFill>
+          <a:schemeClr val="accent1">
+            <a:hueOff val="0"/>
+            <a:satOff val="0"/>
+            <a:lumOff val="0"/>
+            <a:alphaOff val="0"/>
+          </a:schemeClr>
+        </a:solidFill>
+        <a:ln w="25400" cap="flat" cmpd="sng" algn="ctr">
+          <a:solidFill>
+            <a:schemeClr val="lt1">
+              <a:hueOff val="0"/>
+              <a:satOff val="0"/>
+              <a:lumOff val="0"/>
+              <a:alphaOff val="0"/>
+            </a:schemeClr>
+          </a:solidFill>
+          <a:prstDash val="solid"/>
+        </a:ln>
+        <a:effectLst/>
+      </dsp:spPr>
+      <dsp:style>
+        <a:lnRef idx="2">
+          <a:scrgbClr r="0" g="0" b="0"/>
+        </a:lnRef>
+        <a:fillRef idx="1">
+          <a:scrgbClr r="0" g="0" b="0"/>
+        </a:fillRef>
+        <a:effectRef idx="0">
+          <a:scrgbClr r="0" g="0" b="0"/>
+        </a:effectRef>
+        <a:fontRef idx="minor">
+          <a:schemeClr val="lt1"/>
+        </a:fontRef>
+      </dsp:style>
+      <dsp:txBody>
+        <a:bodyPr spcFirstLastPara="0" vert="horz" wrap="square" lIns="4445" tIns="4445" rIns="4445" bIns="4445" numCol="1" spcCol="1270" anchor="ctr" anchorCtr="0">
+          <a:noAutofit/>
+        </a:bodyPr>
+        <a:lstStyle/>
+        <a:p>
+          <a:pPr lvl="0" algn="ctr" defTabSz="311150">
+            <a:lnSpc>
+              <a:spcPct val="90000"/>
+            </a:lnSpc>
+            <a:spcBef>
+              <a:spcPct val="0"/>
+            </a:spcBef>
+            <a:spcAft>
+              <a:spcPct val="35000"/>
+            </a:spcAft>
+          </a:pPr>
+          <a:r>
+            <a:rPr lang="pt-BR" sz="700" kern="1200" dirty="0" smtClean="0"/>
+            <a:t>CONTROLE ESTIMATIVA</a:t>
+          </a:r>
+          <a:endParaRPr lang="pt-BR" sz="700" kern="1200" dirty="0"/>
+        </a:p>
+      </dsp:txBody>
+      <dsp:txXfrm>
+        <a:off x="1287668" y="2061721"/>
+        <a:ext cx="1061499" cy="530749"/>
+      </dsp:txXfrm>
+    </dsp:sp>
+    <dsp:sp modelId="{D0AD7302-7CC4-4854-AFB4-2FA0E51EF4F8}">
+      <dsp:nvSpPr>
+        <dsp:cNvPr id="0" name=""/>
+        <dsp:cNvSpPr/>
+      </dsp:nvSpPr>
+      <dsp:spPr>
+        <a:xfrm>
+          <a:off x="1553043" y="2815385"/>
+          <a:ext cx="1061499" cy="530749"/>
+        </a:xfrm>
+        <a:prstGeom prst="rect">
+          <a:avLst/>
+        </a:prstGeom>
+        <a:solidFill>
+          <a:schemeClr val="accent1">
+            <a:hueOff val="0"/>
+            <a:satOff val="0"/>
+            <a:lumOff val="0"/>
+            <a:alphaOff val="0"/>
+          </a:schemeClr>
+        </a:solidFill>
+        <a:ln w="25400" cap="flat" cmpd="sng" algn="ctr">
+          <a:solidFill>
+            <a:schemeClr val="lt1">
+              <a:hueOff val="0"/>
+              <a:satOff val="0"/>
+              <a:lumOff val="0"/>
+              <a:alphaOff val="0"/>
+            </a:schemeClr>
+          </a:solidFill>
+          <a:prstDash val="solid"/>
+        </a:ln>
+        <a:effectLst/>
+      </dsp:spPr>
+      <dsp:style>
+        <a:lnRef idx="2">
+          <a:scrgbClr r="0" g="0" b="0"/>
+        </a:lnRef>
+        <a:fillRef idx="1">
+          <a:scrgbClr r="0" g="0" b="0"/>
+        </a:fillRef>
+        <a:effectRef idx="0">
+          <a:scrgbClr r="0" g="0" b="0"/>
+        </a:effectRef>
+        <a:fontRef idx="minor">
+          <a:schemeClr val="lt1"/>
+        </a:fontRef>
+      </dsp:style>
+      <dsp:txBody>
+        <a:bodyPr spcFirstLastPara="0" vert="horz" wrap="square" lIns="4445" tIns="4445" rIns="4445" bIns="4445" numCol="1" spcCol="1270" anchor="ctr" anchorCtr="0">
+          <a:noAutofit/>
+        </a:bodyPr>
+        <a:lstStyle/>
+        <a:p>
+          <a:pPr lvl="0" algn="ctr" defTabSz="311150">
+            <a:lnSpc>
+              <a:spcPct val="90000"/>
+            </a:lnSpc>
+            <a:spcBef>
+              <a:spcPct val="0"/>
+            </a:spcBef>
+            <a:spcAft>
+              <a:spcPct val="35000"/>
+            </a:spcAft>
+          </a:pPr>
+          <a:r>
+            <a:rPr lang="pt-BR" sz="700" kern="1200" dirty="0" smtClean="0"/>
+            <a:t>JSP</a:t>
+          </a:r>
+        </a:p>
+        <a:p>
+          <a:pPr lvl="0" algn="ctr" defTabSz="311150">
+            <a:lnSpc>
+              <a:spcPct val="90000"/>
+            </a:lnSpc>
+            <a:spcBef>
+              <a:spcPct val="0"/>
+            </a:spcBef>
+            <a:spcAft>
+              <a:spcPct val="35000"/>
+            </a:spcAft>
+          </a:pPr>
+          <a:r>
+            <a:rPr lang="pt-BR" sz="700" kern="1200" dirty="0" err="1" smtClean="0"/>
+            <a:t>indexLogado</a:t>
+          </a:r>
+          <a:endParaRPr lang="pt-BR" sz="700" kern="1200" dirty="0" smtClean="0"/>
+        </a:p>
+        <a:p>
+          <a:pPr lvl="0" algn="ctr" defTabSz="311150">
+            <a:lnSpc>
+              <a:spcPct val="90000"/>
+            </a:lnSpc>
+            <a:spcBef>
+              <a:spcPct val="0"/>
+            </a:spcBef>
+            <a:spcAft>
+              <a:spcPct val="35000"/>
+            </a:spcAft>
+          </a:pPr>
+          <a:r>
+            <a:rPr lang="pt-BR" sz="700" kern="1200" dirty="0" smtClean="0"/>
+            <a:t>Análise</a:t>
+          </a:r>
+        </a:p>
+        <a:p>
+          <a:pPr lvl="0" algn="ctr" defTabSz="311150">
+            <a:lnSpc>
+              <a:spcPct val="90000"/>
+            </a:lnSpc>
+            <a:spcBef>
+              <a:spcPct val="0"/>
+            </a:spcBef>
+            <a:spcAft>
+              <a:spcPct val="35000"/>
+            </a:spcAft>
+          </a:pPr>
+          <a:r>
+            <a:rPr lang="pt-BR" sz="700" kern="1200" dirty="0" err="1" smtClean="0"/>
+            <a:t>editlnv</a:t>
+          </a:r>
+          <a:endParaRPr lang="pt-BR" sz="700" kern="1200" dirty="0"/>
+        </a:p>
+      </dsp:txBody>
+      <dsp:txXfrm>
+        <a:off x="1553043" y="2815385"/>
+        <a:ext cx="1061499" cy="530749"/>
+      </dsp:txXfrm>
+    </dsp:sp>
+    <dsp:sp modelId="{CA2F01D1-E282-4632-9A18-5A3B2E85F556}">
+      <dsp:nvSpPr>
+        <dsp:cNvPr id="0" name=""/>
+        <dsp:cNvSpPr/>
+      </dsp:nvSpPr>
+      <dsp:spPr>
+        <a:xfrm>
+          <a:off x="2572082" y="2061721"/>
+          <a:ext cx="1061499" cy="530749"/>
+        </a:xfrm>
+        <a:prstGeom prst="rect">
+          <a:avLst/>
+        </a:prstGeom>
+        <a:solidFill>
+          <a:schemeClr val="accent1">
+            <a:hueOff val="0"/>
+            <a:satOff val="0"/>
+            <a:lumOff val="0"/>
+            <a:alphaOff val="0"/>
+          </a:schemeClr>
+        </a:solidFill>
+        <a:ln w="25400" cap="flat" cmpd="sng" algn="ctr">
+          <a:solidFill>
+            <a:schemeClr val="lt1">
+              <a:hueOff val="0"/>
+              <a:satOff val="0"/>
+              <a:lumOff val="0"/>
+              <a:alphaOff val="0"/>
+            </a:schemeClr>
+          </a:solidFill>
+          <a:prstDash val="solid"/>
+        </a:ln>
+        <a:effectLst/>
+      </dsp:spPr>
+      <dsp:style>
+        <a:lnRef idx="2">
+          <a:scrgbClr r="0" g="0" b="0"/>
+        </a:lnRef>
+        <a:fillRef idx="1">
+          <a:scrgbClr r="0" g="0" b="0"/>
+        </a:fillRef>
+        <a:effectRef idx="0">
+          <a:scrgbClr r="0" g="0" b="0"/>
+        </a:effectRef>
+        <a:fontRef idx="minor">
+          <a:schemeClr val="lt1"/>
+        </a:fontRef>
+      </dsp:style>
+      <dsp:txBody>
+        <a:bodyPr spcFirstLastPara="0" vert="horz" wrap="square" lIns="4445" tIns="4445" rIns="4445" bIns="4445" numCol="1" spcCol="1270" anchor="ctr" anchorCtr="0">
+          <a:noAutofit/>
+        </a:bodyPr>
+        <a:lstStyle/>
+        <a:p>
+          <a:pPr lvl="0" algn="ctr" defTabSz="311150">
+            <a:lnSpc>
+              <a:spcPct val="90000"/>
+            </a:lnSpc>
+            <a:spcBef>
+              <a:spcPct val="0"/>
+            </a:spcBef>
+            <a:spcAft>
+              <a:spcPct val="35000"/>
+            </a:spcAft>
+          </a:pPr>
+          <a:r>
+            <a:rPr lang="pt-BR" sz="700" kern="1200" dirty="0" smtClean="0"/>
+            <a:t>CONTROLE INVESTIMENTO</a:t>
+          </a:r>
+          <a:endParaRPr lang="pt-BR" sz="700" kern="1200" dirty="0"/>
+        </a:p>
+      </dsp:txBody>
+      <dsp:txXfrm>
+        <a:off x="2572082" y="2061721"/>
+        <a:ext cx="1061499" cy="530749"/>
+      </dsp:txXfrm>
+    </dsp:sp>
+    <dsp:sp modelId="{AC1E8CCC-F30F-43AE-B9B7-A2E6991EAEDE}">
+      <dsp:nvSpPr>
+        <dsp:cNvPr id="0" name=""/>
+        <dsp:cNvSpPr/>
+      </dsp:nvSpPr>
+      <dsp:spPr>
+        <a:xfrm>
+          <a:off x="2837457" y="2815385"/>
+          <a:ext cx="1061499" cy="530749"/>
+        </a:xfrm>
+        <a:prstGeom prst="rect">
+          <a:avLst/>
+        </a:prstGeom>
+        <a:solidFill>
+          <a:schemeClr val="accent1">
+            <a:hueOff val="0"/>
+            <a:satOff val="0"/>
+            <a:lumOff val="0"/>
+            <a:alphaOff val="0"/>
+          </a:schemeClr>
+        </a:solidFill>
+        <a:ln w="25400" cap="flat" cmpd="sng" algn="ctr">
+          <a:solidFill>
+            <a:schemeClr val="lt1">
+              <a:hueOff val="0"/>
+              <a:satOff val="0"/>
+              <a:lumOff val="0"/>
+              <a:alphaOff val="0"/>
+            </a:schemeClr>
+          </a:solidFill>
+          <a:prstDash val="solid"/>
+        </a:ln>
+        <a:effectLst/>
+      </dsp:spPr>
+      <dsp:style>
+        <a:lnRef idx="2">
+          <a:scrgbClr r="0" g="0" b="0"/>
+        </a:lnRef>
+        <a:fillRef idx="1">
+          <a:scrgbClr r="0" g="0" b="0"/>
+        </a:fillRef>
+        <a:effectRef idx="0">
+          <a:scrgbClr r="0" g="0" b="0"/>
+        </a:effectRef>
+        <a:fontRef idx="minor">
+          <a:schemeClr val="lt1"/>
+        </a:fontRef>
+      </dsp:style>
+      <dsp:txBody>
+        <a:bodyPr spcFirstLastPara="0" vert="horz" wrap="square" lIns="4445" tIns="4445" rIns="4445" bIns="4445" numCol="1" spcCol="1270" anchor="ctr" anchorCtr="0">
+          <a:noAutofit/>
+        </a:bodyPr>
+        <a:lstStyle/>
+        <a:p>
+          <a:pPr lvl="0" algn="ctr" defTabSz="311150">
+            <a:lnSpc>
+              <a:spcPct val="90000"/>
+            </a:lnSpc>
+            <a:spcBef>
+              <a:spcPct val="0"/>
+            </a:spcBef>
+            <a:spcAft>
+              <a:spcPct val="35000"/>
+            </a:spcAft>
+          </a:pPr>
+          <a:r>
+            <a:rPr lang="pt-BR" sz="700" kern="1200" dirty="0" smtClean="0"/>
+            <a:t>JSP</a:t>
+          </a:r>
+        </a:p>
+        <a:p>
+          <a:pPr lvl="0" algn="ctr" defTabSz="311150">
+            <a:lnSpc>
+              <a:spcPct val="90000"/>
+            </a:lnSpc>
+            <a:spcBef>
+              <a:spcPct val="0"/>
+            </a:spcBef>
+            <a:spcAft>
+              <a:spcPct val="35000"/>
+            </a:spcAft>
+          </a:pPr>
+          <a:r>
+            <a:rPr lang="pt-BR" sz="700" kern="1200" dirty="0" err="1" smtClean="0"/>
+            <a:t>IndexLogado</a:t>
+          </a:r>
+          <a:endParaRPr lang="pt-BR" sz="700" kern="1200" dirty="0" smtClean="0"/>
+        </a:p>
+        <a:p>
+          <a:pPr lvl="0" algn="ctr" defTabSz="311150">
+            <a:lnSpc>
+              <a:spcPct val="90000"/>
+            </a:lnSpc>
+            <a:spcBef>
+              <a:spcPct val="0"/>
+            </a:spcBef>
+            <a:spcAft>
+              <a:spcPct val="35000"/>
+            </a:spcAft>
+          </a:pPr>
+          <a:r>
+            <a:rPr lang="pt-BR" sz="700" kern="1200" dirty="0" smtClean="0"/>
+            <a:t>Análise</a:t>
+          </a:r>
+        </a:p>
+        <a:p>
+          <a:pPr lvl="0" algn="ctr" defTabSz="311150">
+            <a:lnSpc>
+              <a:spcPct val="90000"/>
+            </a:lnSpc>
+            <a:spcBef>
+              <a:spcPct val="0"/>
+            </a:spcBef>
+            <a:spcAft>
+              <a:spcPct val="35000"/>
+            </a:spcAft>
+          </a:pPr>
+          <a:r>
+            <a:rPr lang="pt-BR" sz="700" kern="1200" smtClean="0"/>
+            <a:t>edilnv</a:t>
+          </a:r>
+          <a:endParaRPr lang="pt-BR" sz="700" kern="1200" dirty="0" smtClean="0"/>
+        </a:p>
+      </dsp:txBody>
+      <dsp:txXfrm>
+        <a:off x="2837457" y="2815385"/>
+        <a:ext cx="1061499" cy="530749"/>
+      </dsp:txXfrm>
+    </dsp:sp>
+    <dsp:sp modelId="{CADB4CAA-47BF-463F-A2FD-D1B29F02CBE0}">
+      <dsp:nvSpPr>
+        <dsp:cNvPr id="0" name=""/>
+        <dsp:cNvSpPr/>
+      </dsp:nvSpPr>
+      <dsp:spPr>
+        <a:xfrm>
+          <a:off x="3856497" y="2061721"/>
+          <a:ext cx="1061499" cy="530749"/>
+        </a:xfrm>
+        <a:prstGeom prst="rect">
+          <a:avLst/>
+        </a:prstGeom>
+        <a:solidFill>
+          <a:schemeClr val="accent1">
+            <a:hueOff val="0"/>
+            <a:satOff val="0"/>
+            <a:lumOff val="0"/>
+            <a:alphaOff val="0"/>
+          </a:schemeClr>
+        </a:solidFill>
+        <a:ln w="25400" cap="flat" cmpd="sng" algn="ctr">
+          <a:solidFill>
+            <a:schemeClr val="lt1">
+              <a:hueOff val="0"/>
+              <a:satOff val="0"/>
+              <a:lumOff val="0"/>
+              <a:alphaOff val="0"/>
+            </a:schemeClr>
+          </a:solidFill>
+          <a:prstDash val="solid"/>
+        </a:ln>
+        <a:effectLst/>
+      </dsp:spPr>
+      <dsp:style>
+        <a:lnRef idx="2">
+          <a:scrgbClr r="0" g="0" b="0"/>
+        </a:lnRef>
+        <a:fillRef idx="1">
+          <a:scrgbClr r="0" g="0" b="0"/>
+        </a:fillRef>
+        <a:effectRef idx="0">
+          <a:scrgbClr r="0" g="0" b="0"/>
+        </a:effectRef>
+        <a:fontRef idx="minor">
+          <a:schemeClr val="lt1"/>
+        </a:fontRef>
+      </dsp:style>
+      <dsp:txBody>
+        <a:bodyPr spcFirstLastPara="0" vert="horz" wrap="square" lIns="4445" tIns="4445" rIns="4445" bIns="4445" numCol="1" spcCol="1270" anchor="ctr" anchorCtr="0">
+          <a:noAutofit/>
+        </a:bodyPr>
+        <a:lstStyle/>
+        <a:p>
+          <a:pPr lvl="0" algn="ctr" defTabSz="311150">
+            <a:lnSpc>
+              <a:spcPct val="90000"/>
+            </a:lnSpc>
+            <a:spcBef>
+              <a:spcPct val="0"/>
+            </a:spcBef>
+            <a:spcAft>
+              <a:spcPct val="35000"/>
+            </a:spcAft>
+          </a:pPr>
+          <a:r>
+            <a:rPr lang="pt-BR" sz="700" kern="1200" dirty="0" smtClean="0"/>
+            <a:t>CONTROLE DESPESA FIXA</a:t>
+          </a:r>
+          <a:endParaRPr lang="pt-BR" sz="700" kern="1200" dirty="0"/>
+        </a:p>
+      </dsp:txBody>
+      <dsp:txXfrm>
+        <a:off x="3856497" y="2061721"/>
+        <a:ext cx="1061499" cy="530749"/>
+      </dsp:txXfrm>
+    </dsp:sp>
+    <dsp:sp modelId="{3530B7D1-EE10-4C3E-A106-B3018911F125}">
+      <dsp:nvSpPr>
+        <dsp:cNvPr id="0" name=""/>
+        <dsp:cNvSpPr/>
+      </dsp:nvSpPr>
+      <dsp:spPr>
+        <a:xfrm>
+          <a:off x="4121871" y="2815385"/>
+          <a:ext cx="1061499" cy="530749"/>
+        </a:xfrm>
+        <a:prstGeom prst="rect">
+          <a:avLst/>
+        </a:prstGeom>
+        <a:solidFill>
+          <a:schemeClr val="accent1">
+            <a:hueOff val="0"/>
+            <a:satOff val="0"/>
+            <a:lumOff val="0"/>
+            <a:alphaOff val="0"/>
+          </a:schemeClr>
+        </a:solidFill>
+        <a:ln w="25400" cap="flat" cmpd="sng" algn="ctr">
+          <a:solidFill>
+            <a:schemeClr val="lt1">
+              <a:hueOff val="0"/>
+              <a:satOff val="0"/>
+              <a:lumOff val="0"/>
+              <a:alphaOff val="0"/>
+            </a:schemeClr>
+          </a:solidFill>
+          <a:prstDash val="solid"/>
+        </a:ln>
+        <a:effectLst/>
+      </dsp:spPr>
+      <dsp:style>
+        <a:lnRef idx="2">
+          <a:scrgbClr r="0" g="0" b="0"/>
+        </a:lnRef>
+        <a:fillRef idx="1">
+          <a:scrgbClr r="0" g="0" b="0"/>
+        </a:fillRef>
+        <a:effectRef idx="0">
+          <a:scrgbClr r="0" g="0" b="0"/>
+        </a:effectRef>
+        <a:fontRef idx="minor">
+          <a:schemeClr val="lt1"/>
+        </a:fontRef>
+      </dsp:style>
+      <dsp:txBody>
+        <a:bodyPr spcFirstLastPara="0" vert="horz" wrap="square" lIns="4445" tIns="4445" rIns="4445" bIns="4445" numCol="1" spcCol="1270" anchor="ctr" anchorCtr="0">
+          <a:noAutofit/>
+        </a:bodyPr>
+        <a:lstStyle/>
+        <a:p>
+          <a:pPr lvl="0" algn="ctr" defTabSz="311150">
+            <a:lnSpc>
+              <a:spcPct val="90000"/>
+            </a:lnSpc>
+            <a:spcBef>
+              <a:spcPct val="0"/>
+            </a:spcBef>
+            <a:spcAft>
+              <a:spcPct val="35000"/>
+            </a:spcAft>
+          </a:pPr>
+          <a:r>
+            <a:rPr lang="pt-BR" sz="700" kern="1200" dirty="0" err="1" smtClean="0"/>
+            <a:t>IndexLogado</a:t>
+          </a:r>
+          <a:endParaRPr lang="pt-BR" sz="700" kern="1200" dirty="0" smtClean="0"/>
+        </a:p>
+        <a:p>
+          <a:pPr lvl="0" algn="ctr" defTabSz="311150">
+            <a:lnSpc>
+              <a:spcPct val="90000"/>
+            </a:lnSpc>
+            <a:spcBef>
+              <a:spcPct val="0"/>
+            </a:spcBef>
+            <a:spcAft>
+              <a:spcPct val="35000"/>
+            </a:spcAft>
+          </a:pPr>
+          <a:r>
+            <a:rPr lang="pt-BR" sz="700" kern="1200" dirty="0" smtClean="0"/>
+            <a:t>Análise</a:t>
+          </a:r>
+          <a:endParaRPr lang="pt-BR" sz="700" kern="1200" dirty="0"/>
+        </a:p>
+      </dsp:txBody>
+      <dsp:txXfrm>
+        <a:off x="4121871" y="2815385"/>
+        <a:ext cx="1061499" cy="530749"/>
+      </dsp:txXfrm>
+    </dsp:sp>
+    <dsp:sp modelId="{5CF007F1-1CEB-4F6F-90CE-067EF593CA3B}">
+      <dsp:nvSpPr>
+        <dsp:cNvPr id="0" name=""/>
+        <dsp:cNvSpPr/>
+      </dsp:nvSpPr>
+      <dsp:spPr>
+        <a:xfrm>
+          <a:off x="5140911" y="2061721"/>
+          <a:ext cx="1061499" cy="530749"/>
+        </a:xfrm>
+        <a:prstGeom prst="rect">
+          <a:avLst/>
+        </a:prstGeom>
+        <a:solidFill>
+          <a:schemeClr val="accent1">
+            <a:hueOff val="0"/>
+            <a:satOff val="0"/>
+            <a:lumOff val="0"/>
+            <a:alphaOff val="0"/>
+          </a:schemeClr>
+        </a:solidFill>
+        <a:ln w="25400" cap="flat" cmpd="sng" algn="ctr">
+          <a:solidFill>
+            <a:schemeClr val="lt1">
+              <a:hueOff val="0"/>
+              <a:satOff val="0"/>
+              <a:lumOff val="0"/>
+              <a:alphaOff val="0"/>
+            </a:schemeClr>
+          </a:solidFill>
+          <a:prstDash val="solid"/>
+        </a:ln>
+        <a:effectLst/>
+      </dsp:spPr>
+      <dsp:style>
+        <a:lnRef idx="2">
+          <a:scrgbClr r="0" g="0" b="0"/>
+        </a:lnRef>
+        <a:fillRef idx="1">
+          <a:scrgbClr r="0" g="0" b="0"/>
+        </a:fillRef>
+        <a:effectRef idx="0">
+          <a:scrgbClr r="0" g="0" b="0"/>
+        </a:effectRef>
+        <a:fontRef idx="minor">
+          <a:schemeClr val="lt1"/>
+        </a:fontRef>
+      </dsp:style>
+      <dsp:txBody>
+        <a:bodyPr spcFirstLastPara="0" vert="horz" wrap="square" lIns="4445" tIns="4445" rIns="4445" bIns="4445" numCol="1" spcCol="1270" anchor="ctr" anchorCtr="0">
+          <a:noAutofit/>
+        </a:bodyPr>
+        <a:lstStyle/>
+        <a:p>
+          <a:pPr lvl="0" algn="ctr" defTabSz="311150">
+            <a:lnSpc>
+              <a:spcPct val="90000"/>
+            </a:lnSpc>
+            <a:spcBef>
+              <a:spcPct val="0"/>
+            </a:spcBef>
+            <a:spcAft>
+              <a:spcPct val="35000"/>
+            </a:spcAft>
+          </a:pPr>
+          <a:r>
+            <a:rPr lang="pt-BR" sz="700" kern="1200" dirty="0" smtClean="0"/>
+            <a:t>CONTROLE DESPESA VARIÁVEL</a:t>
+          </a:r>
+          <a:endParaRPr lang="pt-BR" sz="700" kern="1200" dirty="0"/>
+        </a:p>
+      </dsp:txBody>
+      <dsp:txXfrm>
+        <a:off x="5140911" y="2061721"/>
+        <a:ext cx="1061499" cy="530749"/>
+      </dsp:txXfrm>
+    </dsp:sp>
+    <dsp:sp modelId="{A3CD99EC-641F-4601-BCB3-A4DA4203393C}">
+      <dsp:nvSpPr>
+        <dsp:cNvPr id="0" name=""/>
+        <dsp:cNvSpPr/>
+      </dsp:nvSpPr>
+      <dsp:spPr>
+        <a:xfrm>
+          <a:off x="5406286" y="2815385"/>
+          <a:ext cx="1061499" cy="530749"/>
+        </a:xfrm>
+        <a:prstGeom prst="rect">
+          <a:avLst/>
+        </a:prstGeom>
+        <a:solidFill>
+          <a:schemeClr val="accent1">
+            <a:hueOff val="0"/>
+            <a:satOff val="0"/>
+            <a:lumOff val="0"/>
+            <a:alphaOff val="0"/>
+          </a:schemeClr>
+        </a:solidFill>
+        <a:ln w="25400" cap="flat" cmpd="sng" algn="ctr">
+          <a:solidFill>
+            <a:schemeClr val="lt1">
+              <a:hueOff val="0"/>
+              <a:satOff val="0"/>
+              <a:lumOff val="0"/>
+              <a:alphaOff val="0"/>
+            </a:schemeClr>
+          </a:solidFill>
+          <a:prstDash val="solid"/>
+        </a:ln>
+        <a:effectLst/>
+      </dsp:spPr>
+      <dsp:style>
+        <a:lnRef idx="2">
+          <a:scrgbClr r="0" g="0" b="0"/>
+        </a:lnRef>
+        <a:fillRef idx="1">
+          <a:scrgbClr r="0" g="0" b="0"/>
+        </a:fillRef>
+        <a:effectRef idx="0">
+          <a:scrgbClr r="0" g="0" b="0"/>
+        </a:effectRef>
+        <a:fontRef idx="minor">
+          <a:schemeClr val="lt1"/>
+        </a:fontRef>
+      </dsp:style>
+      <dsp:txBody>
+        <a:bodyPr spcFirstLastPara="0" vert="horz" wrap="square" lIns="4445" tIns="4445" rIns="4445" bIns="4445" numCol="1" spcCol="1270" anchor="ctr" anchorCtr="0">
+          <a:noAutofit/>
+        </a:bodyPr>
+        <a:lstStyle/>
+        <a:p>
+          <a:pPr lvl="0" algn="ctr" defTabSz="311150">
+            <a:lnSpc>
+              <a:spcPct val="90000"/>
+            </a:lnSpc>
+            <a:spcBef>
+              <a:spcPct val="0"/>
+            </a:spcBef>
+            <a:spcAft>
+              <a:spcPct val="35000"/>
+            </a:spcAft>
+          </a:pPr>
+          <a:r>
+            <a:rPr lang="pt-BR" sz="700" kern="1200" dirty="0" smtClean="0"/>
+            <a:t>JSP</a:t>
+          </a:r>
+        </a:p>
+        <a:p>
+          <a:pPr lvl="0" algn="ctr" defTabSz="311150">
+            <a:lnSpc>
+              <a:spcPct val="90000"/>
+            </a:lnSpc>
+            <a:spcBef>
+              <a:spcPct val="0"/>
+            </a:spcBef>
+            <a:spcAft>
+              <a:spcPct val="35000"/>
+            </a:spcAft>
+          </a:pPr>
+          <a:r>
+            <a:rPr lang="pt-BR" sz="700" kern="1200" dirty="0" smtClean="0"/>
+            <a:t>Estimativa</a:t>
+          </a:r>
+          <a:endParaRPr lang="pt-BR" sz="700" kern="1200" dirty="0"/>
+        </a:p>
+      </dsp:txBody>
+      <dsp:txXfrm>
+        <a:off x="5406286" y="2815385"/>
+        <a:ext cx="1061499" cy="530749"/>
+      </dsp:txXfrm>
+    </dsp:sp>
+    <dsp:sp modelId="{231F3B10-0F81-4E69-8A70-EFDBDB689819}">
+      <dsp:nvSpPr>
+        <dsp:cNvPr id="0" name=""/>
+        <dsp:cNvSpPr/>
+      </dsp:nvSpPr>
+      <dsp:spPr>
+        <a:xfrm>
+          <a:off x="6425325" y="2061721"/>
+          <a:ext cx="1061499" cy="530749"/>
+        </a:xfrm>
+        <a:prstGeom prst="rect">
+          <a:avLst/>
+        </a:prstGeom>
+        <a:solidFill>
+          <a:schemeClr val="accent1">
+            <a:hueOff val="0"/>
+            <a:satOff val="0"/>
+            <a:lumOff val="0"/>
+            <a:alphaOff val="0"/>
+          </a:schemeClr>
+        </a:solidFill>
+        <a:ln w="25400" cap="flat" cmpd="sng" algn="ctr">
+          <a:solidFill>
+            <a:schemeClr val="lt1">
+              <a:hueOff val="0"/>
+              <a:satOff val="0"/>
+              <a:lumOff val="0"/>
+              <a:alphaOff val="0"/>
+            </a:schemeClr>
+          </a:solidFill>
+          <a:prstDash val="solid"/>
+        </a:ln>
+        <a:effectLst/>
+      </dsp:spPr>
+      <dsp:style>
+        <a:lnRef idx="2">
+          <a:scrgbClr r="0" g="0" b="0"/>
+        </a:lnRef>
+        <a:fillRef idx="1">
+          <a:scrgbClr r="0" g="0" b="0"/>
+        </a:fillRef>
+        <a:effectRef idx="0">
+          <a:scrgbClr r="0" g="0" b="0"/>
+        </a:effectRef>
+        <a:fontRef idx="minor">
+          <a:schemeClr val="lt1"/>
+        </a:fontRef>
+      </dsp:style>
+      <dsp:txBody>
+        <a:bodyPr spcFirstLastPara="0" vert="horz" wrap="square" lIns="4445" tIns="4445" rIns="4445" bIns="4445" numCol="1" spcCol="1270" anchor="ctr" anchorCtr="0">
+          <a:noAutofit/>
+        </a:bodyPr>
+        <a:lstStyle/>
+        <a:p>
+          <a:pPr lvl="0" algn="ctr" defTabSz="311150">
+            <a:lnSpc>
+              <a:spcPct val="90000"/>
+            </a:lnSpc>
+            <a:spcBef>
+              <a:spcPct val="0"/>
+            </a:spcBef>
+            <a:spcAft>
+              <a:spcPct val="35000"/>
+            </a:spcAft>
+          </a:pPr>
+          <a:r>
+            <a:rPr lang="pt-BR" sz="700" kern="1200" smtClean="0"/>
+            <a:t>CONTROLE BUSCA POR DATA</a:t>
+          </a:r>
+          <a:endParaRPr lang="pt-BR" sz="700" kern="1200" dirty="0"/>
+        </a:p>
+      </dsp:txBody>
+      <dsp:txXfrm>
+        <a:off x="6425325" y="2061721"/>
+        <a:ext cx="1061499" cy="530749"/>
+      </dsp:txXfrm>
+    </dsp:sp>
+    <dsp:sp modelId="{D218B9C8-3E05-4ECF-9B36-A10626D35FB0}">
+      <dsp:nvSpPr>
+        <dsp:cNvPr id="0" name=""/>
+        <dsp:cNvSpPr/>
+      </dsp:nvSpPr>
+      <dsp:spPr>
+        <a:xfrm>
+          <a:off x="6690700" y="2815385"/>
+          <a:ext cx="1061499" cy="530749"/>
+        </a:xfrm>
+        <a:prstGeom prst="rect">
+          <a:avLst/>
+        </a:prstGeom>
+        <a:solidFill>
+          <a:schemeClr val="accent1">
+            <a:hueOff val="0"/>
+            <a:satOff val="0"/>
+            <a:lumOff val="0"/>
+            <a:alphaOff val="0"/>
+          </a:schemeClr>
+        </a:solidFill>
+        <a:ln w="25400" cap="flat" cmpd="sng" algn="ctr">
+          <a:solidFill>
+            <a:schemeClr val="lt1">
+              <a:hueOff val="0"/>
+              <a:satOff val="0"/>
+              <a:lumOff val="0"/>
+              <a:alphaOff val="0"/>
+            </a:schemeClr>
+          </a:solidFill>
+          <a:prstDash val="solid"/>
+        </a:ln>
+        <a:effectLst/>
+      </dsp:spPr>
+      <dsp:style>
+        <a:lnRef idx="2">
+          <a:scrgbClr r="0" g="0" b="0"/>
+        </a:lnRef>
+        <a:fillRef idx="1">
+          <a:scrgbClr r="0" g="0" b="0"/>
+        </a:fillRef>
+        <a:effectRef idx="0">
+          <a:scrgbClr r="0" g="0" b="0"/>
+        </a:effectRef>
+        <a:fontRef idx="minor">
+          <a:schemeClr val="lt1"/>
+        </a:fontRef>
+      </dsp:style>
+      <dsp:txBody>
+        <a:bodyPr spcFirstLastPara="0" vert="horz" wrap="square" lIns="4445" tIns="4445" rIns="4445" bIns="4445" numCol="1" spcCol="1270" anchor="ctr" anchorCtr="0">
+          <a:noAutofit/>
+        </a:bodyPr>
+        <a:lstStyle/>
+        <a:p>
+          <a:pPr lvl="0" algn="ctr" defTabSz="311150">
+            <a:lnSpc>
+              <a:spcPct val="90000"/>
+            </a:lnSpc>
+            <a:spcBef>
+              <a:spcPct val="0"/>
+            </a:spcBef>
+            <a:spcAft>
+              <a:spcPct val="35000"/>
+            </a:spcAft>
+          </a:pPr>
+          <a:r>
+            <a:rPr lang="pt-BR" sz="700" kern="1200" dirty="0" smtClean="0"/>
+            <a:t>JSP</a:t>
+          </a:r>
+          <a:endParaRPr lang="pt-BR" sz="700" kern="1200" dirty="0"/>
+        </a:p>
+      </dsp:txBody>
+      <dsp:txXfrm>
+        <a:off x="6690700" y="2815385"/>
+        <a:ext cx="1061499" cy="530749"/>
+      </dsp:txXfrm>
+    </dsp:sp>
   </dsp:spTree>
 </dsp:drawing>
 </file>
@@ -5051,6 +6901,237 @@
       <dsp:cNvGrpSpPr/>
     </dsp:nvGrpSpPr>
     <dsp:grpSpPr/>
+    <dsp:sp modelId="{58B92F0B-48F1-482D-B17C-43FE60199C0E}">
+      <dsp:nvSpPr>
+        <dsp:cNvPr id="0" name=""/>
+        <dsp:cNvSpPr/>
+      </dsp:nvSpPr>
+      <dsp:spPr>
+        <a:xfrm>
+          <a:off x="1954070" y="774322"/>
+          <a:ext cx="1262873" cy="378335"/>
+        </a:xfrm>
+        <a:prstGeom prst="rect">
+          <a:avLst/>
+        </a:prstGeom>
+        <a:solidFill>
+          <a:schemeClr val="accent1">
+            <a:hueOff val="0"/>
+            <a:satOff val="0"/>
+            <a:lumOff val="0"/>
+            <a:alphaOff val="0"/>
+          </a:schemeClr>
+        </a:solidFill>
+        <a:ln w="25400" cap="flat" cmpd="sng" algn="ctr">
+          <a:solidFill>
+            <a:schemeClr val="lt1">
+              <a:hueOff val="0"/>
+              <a:satOff val="0"/>
+              <a:lumOff val="0"/>
+              <a:alphaOff val="0"/>
+            </a:schemeClr>
+          </a:solidFill>
+          <a:prstDash val="solid"/>
+        </a:ln>
+        <a:effectLst/>
+      </dsp:spPr>
+      <dsp:style>
+        <a:lnRef idx="2">
+          <a:scrgbClr r="0" g="0" b="0"/>
+        </a:lnRef>
+        <a:fillRef idx="1">
+          <a:scrgbClr r="0" g="0" b="0"/>
+        </a:fillRef>
+        <a:effectRef idx="0">
+          <a:scrgbClr r="0" g="0" b="0"/>
+        </a:effectRef>
+        <a:fontRef idx="minor">
+          <a:schemeClr val="lt1"/>
+        </a:fontRef>
+      </dsp:style>
+      <dsp:txBody>
+        <a:bodyPr spcFirstLastPara="0" vert="horz" wrap="square" lIns="10795" tIns="10795" rIns="10795" bIns="10795" numCol="1" spcCol="1270" anchor="ctr" anchorCtr="0">
+          <a:noAutofit/>
+        </a:bodyPr>
+        <a:lstStyle/>
+        <a:p>
+          <a:pPr lvl="0" algn="ctr" defTabSz="755650">
+            <a:lnSpc>
+              <a:spcPct val="90000"/>
+            </a:lnSpc>
+            <a:spcBef>
+              <a:spcPct val="0"/>
+            </a:spcBef>
+            <a:spcAft>
+              <a:spcPct val="35000"/>
+            </a:spcAft>
+          </a:pPr>
+          <a:r>
+            <a:rPr lang="pt-BR" sz="1700" kern="1200" dirty="0" smtClean="0"/>
+            <a:t>LOGIN</a:t>
+          </a:r>
+          <a:endParaRPr lang="pt-BR" sz="1700" kern="1200" dirty="0"/>
+        </a:p>
+      </dsp:txBody>
+      <dsp:txXfrm>
+        <a:off x="1954070" y="774322"/>
+        <a:ext cx="1262873" cy="378335"/>
+      </dsp:txXfrm>
+    </dsp:sp>
+    <dsp:sp modelId="{A4B23E03-33CE-4D20-A33A-B0BB6799928C}">
+      <dsp:nvSpPr>
+        <dsp:cNvPr id="0" name=""/>
+        <dsp:cNvSpPr/>
+      </dsp:nvSpPr>
+      <dsp:spPr>
+        <a:xfrm>
+          <a:off x="3741957" y="784605"/>
+          <a:ext cx="1262873" cy="378335"/>
+        </a:xfrm>
+        <a:prstGeom prst="rect">
+          <a:avLst/>
+        </a:prstGeom>
+        <a:solidFill>
+          <a:schemeClr val="accent1">
+            <a:hueOff val="0"/>
+            <a:satOff val="0"/>
+            <a:lumOff val="0"/>
+            <a:alphaOff val="0"/>
+          </a:schemeClr>
+        </a:solidFill>
+        <a:ln w="25400" cap="flat" cmpd="sng" algn="ctr">
+          <a:solidFill>
+            <a:schemeClr val="lt1">
+              <a:hueOff val="0"/>
+              <a:satOff val="0"/>
+              <a:lumOff val="0"/>
+              <a:alphaOff val="0"/>
+            </a:schemeClr>
+          </a:solidFill>
+          <a:prstDash val="solid"/>
+        </a:ln>
+        <a:effectLst/>
+      </dsp:spPr>
+      <dsp:style>
+        <a:lnRef idx="2">
+          <a:scrgbClr r="0" g="0" b="0"/>
+        </a:lnRef>
+        <a:fillRef idx="1">
+          <a:scrgbClr r="0" g="0" b="0"/>
+        </a:fillRef>
+        <a:effectRef idx="0">
+          <a:scrgbClr r="0" g="0" b="0"/>
+        </a:effectRef>
+        <a:fontRef idx="minor">
+          <a:schemeClr val="lt1"/>
+        </a:fontRef>
+      </dsp:style>
+      <dsp:txBody>
+        <a:bodyPr spcFirstLastPara="0" vert="horz" wrap="square" lIns="10795" tIns="10795" rIns="10795" bIns="10795" numCol="1" spcCol="1270" anchor="ctr" anchorCtr="0">
+          <a:noAutofit/>
+        </a:bodyPr>
+        <a:lstStyle/>
+        <a:p>
+          <a:pPr lvl="0" algn="ctr" defTabSz="755650">
+            <a:lnSpc>
+              <a:spcPct val="90000"/>
+            </a:lnSpc>
+            <a:spcBef>
+              <a:spcPct val="0"/>
+            </a:spcBef>
+            <a:spcAft>
+              <a:spcPct val="35000"/>
+            </a:spcAft>
+          </a:pPr>
+          <a:r>
+            <a:rPr lang="pt-BR" sz="1700" kern="1200" dirty="0" smtClean="0"/>
+            <a:t>CADASTRO</a:t>
+          </a:r>
+          <a:endParaRPr lang="pt-BR" sz="1700" kern="1200" dirty="0"/>
+        </a:p>
+      </dsp:txBody>
+      <dsp:txXfrm>
+        <a:off x="3741957" y="784605"/>
+        <a:ext cx="1262873" cy="378335"/>
+      </dsp:txXfrm>
+    </dsp:sp>
+    <dsp:sp modelId="{ACFA83CF-155E-40CD-953A-FDAED1A2C169}">
+      <dsp:nvSpPr>
+        <dsp:cNvPr id="0" name=""/>
+        <dsp:cNvSpPr/>
+      </dsp:nvSpPr>
+      <dsp:spPr>
+        <a:xfrm>
+          <a:off x="2821305" y="1381299"/>
+          <a:ext cx="1262873" cy="378335"/>
+        </a:xfrm>
+        <a:prstGeom prst="rect">
+          <a:avLst/>
+        </a:prstGeom>
+        <a:solidFill>
+          <a:schemeClr val="accent1">
+            <a:hueOff val="0"/>
+            <a:satOff val="0"/>
+            <a:lumOff val="0"/>
+            <a:alphaOff val="0"/>
+          </a:schemeClr>
+        </a:solidFill>
+        <a:ln w="25400" cap="flat" cmpd="sng" algn="ctr">
+          <a:solidFill>
+            <a:schemeClr val="lt1">
+              <a:hueOff val="0"/>
+              <a:satOff val="0"/>
+              <a:lumOff val="0"/>
+              <a:alphaOff val="0"/>
+            </a:schemeClr>
+          </a:solidFill>
+          <a:prstDash val="solid"/>
+        </a:ln>
+        <a:effectLst/>
+      </dsp:spPr>
+      <dsp:style>
+        <a:lnRef idx="2">
+          <a:scrgbClr r="0" g="0" b="0"/>
+        </a:lnRef>
+        <a:fillRef idx="1">
+          <a:scrgbClr r="0" g="0" b="0"/>
+        </a:fillRef>
+        <a:effectRef idx="0">
+          <a:scrgbClr r="0" g="0" b="0"/>
+        </a:effectRef>
+        <a:fontRef idx="minor">
+          <a:schemeClr val="lt1"/>
+        </a:fontRef>
+      </dsp:style>
+      <dsp:txBody>
+        <a:bodyPr spcFirstLastPara="0" vert="horz" wrap="square" lIns="10795" tIns="10795" rIns="10795" bIns="10795" numCol="1" spcCol="1270" anchor="ctr" anchorCtr="0">
+          <a:noAutofit/>
+        </a:bodyPr>
+        <a:lstStyle/>
+        <a:p>
+          <a:pPr lvl="0" algn="ctr" defTabSz="755650">
+            <a:lnSpc>
+              <a:spcPct val="90000"/>
+            </a:lnSpc>
+            <a:spcBef>
+              <a:spcPct val="0"/>
+            </a:spcBef>
+            <a:spcAft>
+              <a:spcPct val="35000"/>
+            </a:spcAft>
+          </a:pPr>
+          <a:r>
+            <a:rPr lang="pt-BR" sz="1700" kern="1200" dirty="0" smtClean="0"/>
+            <a:t>FILTERS</a:t>
+          </a:r>
+          <a:endParaRPr lang="pt-BR" sz="1700" kern="1200" dirty="0"/>
+        </a:p>
+      </dsp:txBody>
+      <dsp:txXfrm>
+        <a:off x="2821305" y="1381299"/>
+        <a:ext cx="1262873" cy="378335"/>
+      </dsp:txXfrm>
+    </dsp:sp>
   </dsp:spTree>
 </dsp:drawing>
 </file>
@@ -5070,8 +7151,8 @@
       </dsp:nvSpPr>
       <dsp:spPr>
         <a:xfrm>
-          <a:off x="0" y="3333360"/>
-          <a:ext cx="6014483" cy="729257"/>
+          <a:off x="0" y="3089955"/>
+          <a:ext cx="6014483" cy="676006"/>
         </a:xfrm>
         <a:prstGeom prst="rect">
           <a:avLst/>
@@ -5148,8 +7229,8 @@
         </a:p>
       </dsp:txBody>
       <dsp:txXfrm>
-        <a:off x="0" y="3333360"/>
-        <a:ext cx="6014483" cy="729257"/>
+        <a:off x="0" y="3089955"/>
+        <a:ext cx="6014483" cy="676006"/>
       </dsp:txXfrm>
     </dsp:sp>
     <dsp:sp modelId="{1A88543E-4320-4884-AC7B-8040F3A369B5}">
@@ -5159,8 +7240,8 @@
       </dsp:nvSpPr>
       <dsp:spPr>
         <a:xfrm rot="10800000">
-          <a:off x="0" y="2222700"/>
-          <a:ext cx="6014483" cy="1121598"/>
+          <a:off x="0" y="2060397"/>
+          <a:ext cx="6014483" cy="1039698"/>
         </a:xfrm>
         <a:prstGeom prst="upArrowCallout">
           <a:avLst/>
@@ -5207,12 +7288,12 @@
         </a:fontRef>
       </dsp:style>
       <dsp:txBody>
-        <a:bodyPr spcFirstLastPara="0" vert="horz" wrap="square" lIns="120904" tIns="120904" rIns="120904" bIns="120904" numCol="1" spcCol="1270" anchor="ctr" anchorCtr="0">
+        <a:bodyPr spcFirstLastPara="0" vert="horz" wrap="square" lIns="113792" tIns="113792" rIns="113792" bIns="113792" numCol="1" spcCol="1270" anchor="ctr" anchorCtr="0">
           <a:noAutofit/>
         </a:bodyPr>
         <a:lstStyle/>
         <a:p>
-          <a:pPr lvl="0" algn="ctr" defTabSz="755650">
+          <a:pPr lvl="0" algn="ctr" defTabSz="711200">
             <a:lnSpc>
               <a:spcPct val="90000"/>
             </a:lnSpc>
@@ -5224,37 +7305,17 @@
             </a:spcAft>
           </a:pPr>
           <a:r>
-            <a:rPr lang="pt-BR" sz="1700" b="1" i="0" kern="1200" dirty="0" smtClean="0"/>
-            <a:t>Recebe </a:t>
+            <a:rPr lang="pt-BR" sz="1600" b="1" i="0" kern="1200" dirty="0" smtClean="0"/>
+            <a:t>Recebe idade e valores indicados pelo usuário para estimativa de valor futuro</a:t>
           </a:r>
-          <a:r>
-            <a:rPr lang="pt-BR" sz="1700" b="1" i="0" kern="1200" dirty="0" smtClean="0"/>
-            <a:t>idade</a:t>
-          </a:r>
-          <a:r>
-            <a:rPr lang="pt-BR" sz="1700" b="1" i="0" kern="1200" dirty="0" smtClean="0"/>
-            <a:t> </a:t>
-          </a:r>
-          <a:r>
-            <a:rPr lang="pt-BR" sz="1700" b="1" i="0" kern="1200" dirty="0" smtClean="0"/>
-            <a:t>e </a:t>
-          </a:r>
-          <a:r>
-            <a:rPr lang="pt-BR" sz="1700" b="1" i="0" kern="1200" dirty="0" smtClean="0"/>
-            <a:t>valores </a:t>
-          </a:r>
-          <a:r>
-            <a:rPr lang="pt-BR" sz="1700" b="1" i="0" kern="1200" dirty="0" smtClean="0"/>
-            <a:t>indicados pelo usuário para estimativa de valor futuro</a:t>
-          </a:r>
-          <a:endParaRPr lang="pt-BR" sz="1700" b="1" kern="1200" dirty="0">
+          <a:endParaRPr lang="pt-BR" sz="1600" b="1" kern="1200" dirty="0">
             <a:latin typeface="Century Gothic" panose="020B0502020202020204" pitchFamily="34" charset="0"/>
           </a:endParaRPr>
         </a:p>
       </dsp:txBody>
       <dsp:txXfrm rot="10800000">
-        <a:off x="0" y="2222700"/>
-        <a:ext cx="6014483" cy="728781"/>
+        <a:off x="0" y="2060397"/>
+        <a:ext cx="6014483" cy="675565"/>
       </dsp:txXfrm>
     </dsp:sp>
     <dsp:sp modelId="{A5A167FB-658C-4740-B9C7-A7B4FEA653B9}">
@@ -5264,8 +7325,8 @@
       </dsp:nvSpPr>
       <dsp:spPr>
         <a:xfrm rot="10800000">
-          <a:off x="0" y="1112041"/>
-          <a:ext cx="6014483" cy="1121598"/>
+          <a:off x="0" y="1030838"/>
+          <a:ext cx="6014483" cy="1039698"/>
         </a:xfrm>
         <a:prstGeom prst="upArrowCallout">
           <a:avLst/>
@@ -5376,8 +7437,8 @@
         </a:p>
       </dsp:txBody>
       <dsp:txXfrm rot="10800000">
-        <a:off x="0" y="1112041"/>
-        <a:ext cx="6014483" cy="728781"/>
+        <a:off x="0" y="1030838"/>
+        <a:ext cx="6014483" cy="675565"/>
       </dsp:txXfrm>
     </dsp:sp>
     <dsp:sp modelId="{852B298E-4117-4885-A35A-585244C6965D}">
@@ -5387,8 +7448,8 @@
       </dsp:nvSpPr>
       <dsp:spPr>
         <a:xfrm rot="10800000">
-          <a:off x="0" y="1381"/>
-          <a:ext cx="6014483" cy="1121598"/>
+          <a:off x="0" y="1280"/>
+          <a:ext cx="6014483" cy="1039698"/>
         </a:xfrm>
         <a:prstGeom prst="upArrowCallout">
           <a:avLst/>
@@ -5463,8 +7524,8 @@
         </a:p>
       </dsp:txBody>
       <dsp:txXfrm rot="-10800000">
-        <a:off x="0" y="1381"/>
-        <a:ext cx="6014483" cy="393681"/>
+        <a:off x="0" y="1280"/>
+        <a:ext cx="6014483" cy="364934"/>
       </dsp:txXfrm>
     </dsp:sp>
     <dsp:sp modelId="{B7C82BF5-8895-4E9D-AEF6-0177633DD9DF}">
@@ -5474,8 +7535,8 @@
       </dsp:nvSpPr>
       <dsp:spPr>
         <a:xfrm>
-          <a:off x="734" y="395062"/>
-          <a:ext cx="1202603" cy="335357"/>
+          <a:off x="734" y="366214"/>
+          <a:ext cx="1202603" cy="310869"/>
         </a:xfrm>
         <a:prstGeom prst="rect">
           <a:avLst/>
@@ -5532,8 +7593,8 @@
         </a:p>
       </dsp:txBody>
       <dsp:txXfrm>
-        <a:off x="734" y="395062"/>
-        <a:ext cx="1202603" cy="335357"/>
+        <a:off x="734" y="366214"/>
+        <a:ext cx="1202603" cy="310869"/>
       </dsp:txXfrm>
     </dsp:sp>
     <dsp:sp modelId="{3BEBF252-6002-4456-80D2-C92799936394}">
@@ -5543,8 +7604,8 @@
       </dsp:nvSpPr>
       <dsp:spPr>
         <a:xfrm>
-          <a:off x="1203337" y="395062"/>
-          <a:ext cx="1202603" cy="335357"/>
+          <a:off x="1203337" y="366214"/>
+          <a:ext cx="1202603" cy="310869"/>
         </a:xfrm>
         <a:prstGeom prst="rect">
           <a:avLst/>
@@ -5598,8 +7659,8 @@
         </a:p>
       </dsp:txBody>
       <dsp:txXfrm>
-        <a:off x="1203337" y="395062"/>
-        <a:ext cx="1202603" cy="335357"/>
+        <a:off x="1203337" y="366214"/>
+        <a:ext cx="1202603" cy="310869"/>
       </dsp:txXfrm>
     </dsp:sp>
     <dsp:sp modelId="{BAE3C76B-2351-4D24-8B51-98FD59A8F029}">
@@ -5609,8 +7670,8 @@
       </dsp:nvSpPr>
       <dsp:spPr>
         <a:xfrm>
-          <a:off x="2405940" y="395062"/>
-          <a:ext cx="1202603" cy="335357"/>
+          <a:off x="2405940" y="366214"/>
+          <a:ext cx="1202603" cy="310869"/>
         </a:xfrm>
         <a:prstGeom prst="rect">
           <a:avLst/>
@@ -5664,8 +7725,8 @@
         </a:p>
       </dsp:txBody>
       <dsp:txXfrm>
-        <a:off x="2405940" y="395062"/>
-        <a:ext cx="1202603" cy="335357"/>
+        <a:off x="2405940" y="366214"/>
+        <a:ext cx="1202603" cy="310869"/>
       </dsp:txXfrm>
     </dsp:sp>
     <dsp:sp modelId="{1AE9360F-10F6-4E01-A680-096093973ADA}">
@@ -5675,8 +7736,8 @@
       </dsp:nvSpPr>
       <dsp:spPr>
         <a:xfrm>
-          <a:off x="3608543" y="395062"/>
-          <a:ext cx="1202603" cy="335357"/>
+          <a:off x="3608543" y="366214"/>
+          <a:ext cx="1202603" cy="310869"/>
         </a:xfrm>
         <a:prstGeom prst="rect">
           <a:avLst/>
@@ -5730,8 +7791,8 @@
         </a:p>
       </dsp:txBody>
       <dsp:txXfrm>
-        <a:off x="3608543" y="395062"/>
-        <a:ext cx="1202603" cy="335357"/>
+        <a:off x="3608543" y="366214"/>
+        <a:ext cx="1202603" cy="310869"/>
       </dsp:txXfrm>
     </dsp:sp>
     <dsp:sp modelId="{5E3E684B-7F29-4642-A4BE-A1B234F843FE}">
@@ -5741,8 +7802,8 @@
       </dsp:nvSpPr>
       <dsp:spPr>
         <a:xfrm>
-          <a:off x="4811146" y="395062"/>
-          <a:ext cx="1202603" cy="335357"/>
+          <a:off x="4811146" y="366214"/>
+          <a:ext cx="1202603" cy="310869"/>
         </a:xfrm>
         <a:prstGeom prst="rect">
           <a:avLst/>
@@ -5796,8 +7857,8 @@
         </a:p>
       </dsp:txBody>
       <dsp:txXfrm>
-        <a:off x="4811146" y="395062"/>
-        <a:ext cx="1202603" cy="335357"/>
+        <a:off x="4811146" y="366214"/>
+        <a:ext cx="1202603" cy="310869"/>
       </dsp:txXfrm>
     </dsp:sp>
   </dsp:spTree>
@@ -12711,7 +14772,7 @@
             </a:pPr>
             <a:fld id="{00000000-1234-1234-1234-123412341234}" type="slidenum">
               <a:rPr lang="en-US"/>
-              <a:t>12</a:t>
+              <a:t>11</a:t>
             </a:fld>
             <a:endParaRPr lang="en-US"/>
           </a:p>
@@ -12891,7 +14952,7 @@
                 <a:cs typeface="Calibri"/>
                 <a:sym typeface="Calibri"/>
               </a:rPr>
-              <a:t>13</a:t>
+              <a:t>12</a:t>
             </a:fld>
             <a:endParaRPr lang="en-US" sz="1200" b="0" i="0" u="none" strike="noStrike" cap="none" baseline="0">
               <a:solidFill>
@@ -14430,14 +16491,14 @@
           <p:nvPr>
             <p:extLst>
               <p:ext uri="{D42A27DB-BD31-4B8C-83A1-F6EECF244321}">
-                <p14:modId xmlns:p14="http://schemas.microsoft.com/office/powerpoint/2010/main" val="1672590224"/>
+                <p14:modId xmlns:p14="http://schemas.microsoft.com/office/powerpoint/2010/main" val="1418727181"/>
               </p:ext>
             </p:extLst>
           </p:nvPr>
         </p:nvGraphicFramePr>
         <p:xfrm>
           <a:off x="1513367" y="775574"/>
-          <a:ext cx="6014484" cy="4064000"/>
+          <a:ext cx="6014484" cy="3767243"/>
         </p:xfrm>
         <a:graphic>
           <a:graphicData uri="http://schemas.openxmlformats.org/drawingml/2006/diagram">
@@ -14466,100 +16527,6 @@
 </file>
 
 <file path=ppt/slides/slide11.xml><?xml version="1.0" encoding="utf-8"?>
-<p:sld xmlns:a="http://schemas.openxmlformats.org/drawingml/2006/main" xmlns:r="http://schemas.openxmlformats.org/officeDocument/2006/relationships" xmlns:p="http://schemas.openxmlformats.org/presentationml/2006/main">
-  <p:cSld>
-    <p:spTree>
-      <p:nvGrpSpPr>
-        <p:cNvPr id="1" name=""/>
-        <p:cNvGrpSpPr/>
-        <p:nvPr/>
-      </p:nvGrpSpPr>
-      <p:grpSpPr>
-        <a:xfrm>
-          <a:off x="0" y="0"/>
-          <a:ext cx="0" cy="0"/>
-          <a:chOff x="0" y="0"/>
-          <a:chExt cx="0" cy="0"/>
-        </a:xfrm>
-      </p:grpSpPr>
-      <p:sp>
-        <p:nvSpPr>
-          <p:cNvPr id="7" name="Shape 26"/>
-          <p:cNvSpPr txBox="1">
-            <a:spLocks noGrp="1"/>
-          </p:cNvSpPr>
-          <p:nvPr>
-            <p:ph type="subTitle" idx="1"/>
-          </p:nvPr>
-        </p:nvSpPr>
-        <p:spPr>
-          <a:xfrm>
-            <a:off x="2147300" y="2098162"/>
-            <a:ext cx="5116530" cy="1076552"/>
-          </a:xfrm>
-          <a:prstGeom prst="rect">
-            <a:avLst/>
-          </a:prstGeom>
-        </p:spPr>
-        <p:txBody>
-          <a:bodyPr lIns="91425" tIns="91425" rIns="91425" bIns="91425" anchor="t" anchorCtr="0">
-            <a:noAutofit/>
-          </a:bodyPr>
-          <a:lstStyle/>
-          <a:p>
-            <a:pPr>
-              <a:spcBef>
-                <a:spcPts val="0"/>
-              </a:spcBef>
-              <a:buNone/>
-            </a:pPr>
-            <a:r>
-              <a:rPr lang="pt-BR" sz="5400" b="1" dirty="0" smtClean="0">
-                <a:effectLst>
-                  <a:outerShdw blurRad="50800" dist="38100" dir="2700000" algn="tl" rotWithShape="0">
-                    <a:prstClr val="black">
-                      <a:alpha val="40000"/>
-                    </a:prstClr>
-                  </a:outerShdw>
-                </a:effectLst>
-                <a:latin typeface="Century Gothic" panose="020B0502020202020204" pitchFamily="34" charset="0"/>
-              </a:rPr>
-              <a:t>JAVADOC</a:t>
-            </a:r>
-            <a:endParaRPr sz="6000" b="1" dirty="0">
-              <a:effectLst>
-                <a:outerShdw blurRad="50800" dist="38100" dir="2700000" algn="tl" rotWithShape="0">
-                  <a:prstClr val="black">
-                    <a:alpha val="40000"/>
-                  </a:prstClr>
-                </a:outerShdw>
-              </a:effectLst>
-              <a:latin typeface="Century Gothic" panose="020B0502020202020204" pitchFamily="34" charset="0"/>
-            </a:endParaRPr>
-          </a:p>
-        </p:txBody>
-      </p:sp>
-    </p:spTree>
-    <p:extLst>
-      <p:ext uri="{BB962C8B-B14F-4D97-AF65-F5344CB8AC3E}">
-        <p14:creationId xmlns:p14="http://schemas.microsoft.com/office/powerpoint/2010/main" val="3845075227"/>
-      </p:ext>
-    </p:extLst>
-  </p:cSld>
-  <p:clrMapOvr>
-    <a:masterClrMapping/>
-  </p:clrMapOvr>
-  <p:timing>
-    <p:tnLst>
-      <p:par>
-        <p:cTn id="1" dur="indefinite" restart="never" nodeType="tmRoot"/>
-      </p:par>
-    </p:tnLst>
-  </p:timing>
-</p:sld>
-</file>
-
-<file path=ppt/slides/slide12.xml><?xml version="1.0" encoding="utf-8"?>
 <p:sld xmlns:a="http://schemas.openxmlformats.org/drawingml/2006/main" xmlns:r="http://schemas.openxmlformats.org/officeDocument/2006/relationships" xmlns:p="http://schemas.openxmlformats.org/presentationml/2006/main">
   <p:cSld>
     <p:spTree>
@@ -14811,6 +16778,59 @@
           </a:p>
         </p:txBody>
       </p:sp>
+      <p:sp>
+        <p:nvSpPr>
+          <p:cNvPr id="2" name="CaixaDeTexto 1"/>
+          <p:cNvSpPr txBox="1"/>
+          <p:nvPr/>
+        </p:nvSpPr>
+        <p:spPr>
+          <a:xfrm>
+            <a:off x="1021405" y="1572482"/>
+            <a:ext cx="6449438" cy="1077218"/>
+          </a:xfrm>
+          <a:prstGeom prst="rect">
+            <a:avLst/>
+          </a:prstGeom>
+          <a:noFill/>
+        </p:spPr>
+        <p:txBody>
+          <a:bodyPr wrap="square" rtlCol="0">
+            <a:spAutoFit/>
+          </a:bodyPr>
+          <a:lstStyle/>
+          <a:p>
+            <a:pPr algn="ctr"/>
+            <a:r>
+              <a:rPr lang="pt-BR" sz="3200" b="1" dirty="0" smtClean="0">
+                <a:effectLst>
+                  <a:outerShdw blurRad="50800" dist="38100" dir="2700000" algn="tl" rotWithShape="0">
+                    <a:prstClr val="black">
+                      <a:alpha val="40000"/>
+                    </a:prstClr>
+                  </a:outerShdw>
+                </a:effectLst>
+                <a:latin typeface="Century Gothic" panose="020B0502020202020204" pitchFamily="34" charset="0"/>
+              </a:rPr>
+              <a:t>GIT HUB</a:t>
+            </a:r>
+            <a:endParaRPr lang="pt-BR" sz="3600" b="1" dirty="0">
+              <a:effectLst>
+                <a:outerShdw blurRad="50800" dist="38100" dir="2700000" algn="tl" rotWithShape="0">
+                  <a:prstClr val="black">
+                    <a:alpha val="40000"/>
+                  </a:prstClr>
+                </a:outerShdw>
+              </a:effectLst>
+              <a:latin typeface="Century Gothic" panose="020B0502020202020204" pitchFamily="34" charset="0"/>
+            </a:endParaRPr>
+          </a:p>
+          <a:p>
+            <a:pPr algn="ctr"/>
+            <a:endParaRPr lang="pt-BR" sz="3200" dirty="0"/>
+          </a:p>
+        </p:txBody>
+      </p:sp>
     </p:spTree>
     <p:extLst>
       <p:ext uri="{BB962C8B-B14F-4D97-AF65-F5344CB8AC3E}">
@@ -14834,7 +16854,7 @@
 </p:sld>
 </file>
 
-<file path=ppt/slides/slide13.xml><?xml version="1.0" encoding="utf-8"?>
+<file path=ppt/slides/slide12.xml><?xml version="1.0" encoding="utf-8"?>
 <p:sld xmlns:a="http://schemas.openxmlformats.org/drawingml/2006/main" xmlns:r="http://schemas.openxmlformats.org/officeDocument/2006/relationships" xmlns:p="http://schemas.openxmlformats.org/presentationml/2006/main">
   <p:cSld>
     <p:spTree>
@@ -15777,132 +17797,6 @@
               </a:buClr>
             </a:pPr>
             <a:r>
-              <a:rPr lang="pt-BR" dirty="0" smtClean="0">
-                <a:solidFill>
-                  <a:schemeClr val="tx1"/>
-                </a:solidFill>
-                <a:latin typeface="Century Gothic" panose="020B0502020202020204" pitchFamily="34" charset="0"/>
-              </a:rPr>
-              <a:t> </a:t>
-            </a:r>
-            <a:r>
-              <a:rPr lang="en-US" sz="1600" dirty="0" err="1" smtClean="0">
-                <a:solidFill>
-                  <a:schemeClr val="tx1"/>
-                </a:solidFill>
-                <a:latin typeface="Century Gothic" panose="020B0502020202020204" pitchFamily="34" charset="0"/>
-              </a:rPr>
-              <a:t>Padrão</a:t>
-            </a:r>
-            <a:r>
-              <a:rPr lang="en-US" sz="1600" dirty="0" smtClean="0">
-                <a:solidFill>
-                  <a:schemeClr val="tx1"/>
-                </a:solidFill>
-                <a:latin typeface="Century Gothic" panose="020B0502020202020204" pitchFamily="34" charset="0"/>
-              </a:rPr>
-              <a:t> </a:t>
-            </a:r>
-            <a:r>
-              <a:rPr lang="en-US" sz="1600" dirty="0">
-                <a:solidFill>
-                  <a:schemeClr val="tx1"/>
-                </a:solidFill>
-                <a:latin typeface="Century Gothic" panose="020B0502020202020204" pitchFamily="34" charset="0"/>
-              </a:rPr>
-              <a:t>Model View Controller</a:t>
-            </a:r>
-          </a:p>
-          <a:p>
-            <a:pPr>
-              <a:lnSpc>
-                <a:spcPct val="150000"/>
-              </a:lnSpc>
-              <a:buClr>
-                <a:schemeClr val="bg2">
-                  <a:lumMod val="75000"/>
-                </a:schemeClr>
-              </a:buClr>
-            </a:pPr>
-            <a:r>
-              <a:rPr lang="en-US" sz="1600" dirty="0" smtClean="0">
-                <a:solidFill>
-                  <a:schemeClr val="tx1"/>
-                </a:solidFill>
-                <a:latin typeface="Century Gothic" panose="020B0502020202020204" pitchFamily="34" charset="0"/>
-              </a:rPr>
-              <a:t> Data </a:t>
-            </a:r>
-            <a:r>
-              <a:rPr lang="en-US" sz="1600" dirty="0" err="1">
-                <a:solidFill>
-                  <a:schemeClr val="tx1"/>
-                </a:solidFill>
-                <a:latin typeface="Century Gothic" panose="020B0502020202020204" pitchFamily="34" charset="0"/>
-              </a:rPr>
-              <a:t>Acess</a:t>
-            </a:r>
-            <a:r>
-              <a:rPr lang="en-US" sz="1600" dirty="0">
-                <a:solidFill>
-                  <a:schemeClr val="tx1"/>
-                </a:solidFill>
-                <a:latin typeface="Century Gothic" panose="020B0502020202020204" pitchFamily="34" charset="0"/>
-              </a:rPr>
-              <a:t> Object</a:t>
-            </a:r>
-          </a:p>
-          <a:p>
-            <a:pPr>
-              <a:lnSpc>
-                <a:spcPct val="150000"/>
-              </a:lnSpc>
-              <a:buClr>
-                <a:schemeClr val="bg2">
-                  <a:lumMod val="75000"/>
-                </a:schemeClr>
-              </a:buClr>
-            </a:pPr>
-            <a:r>
-              <a:rPr lang="en-US" sz="1600" dirty="0" smtClean="0">
-                <a:solidFill>
-                  <a:schemeClr val="tx1"/>
-                </a:solidFill>
-                <a:latin typeface="Century Gothic" panose="020B0502020202020204" pitchFamily="34" charset="0"/>
-              </a:rPr>
-              <a:t> Object </a:t>
-            </a:r>
-            <a:r>
-              <a:rPr lang="en-US" sz="1600" dirty="0">
-                <a:solidFill>
-                  <a:schemeClr val="tx1"/>
-                </a:solidFill>
-                <a:latin typeface="Century Gothic" panose="020B0502020202020204" pitchFamily="34" charset="0"/>
-              </a:rPr>
-              <a:t>Relational Mapping (Hibernate)</a:t>
-            </a:r>
-          </a:p>
-          <a:p>
-            <a:pPr>
-              <a:lnSpc>
-                <a:spcPct val="150000"/>
-              </a:lnSpc>
-              <a:buClr>
-                <a:schemeClr val="bg2">
-                  <a:lumMod val="75000"/>
-                </a:schemeClr>
-              </a:buClr>
-            </a:pPr>
-            <a:r>
-              <a:rPr lang="en-US" sz="1600" dirty="0" smtClean="0">
-                <a:solidFill>
-                  <a:schemeClr val="tx1"/>
-                </a:solidFill>
-                <a:latin typeface="Century Gothic" panose="020B0502020202020204" pitchFamily="34" charset="0"/>
-              </a:rPr>
-              <a:t> </a:t>
-            </a:r>
-            <a:r>
               <a:rPr lang="en-US" sz="1600" dirty="0" err="1" smtClean="0">
                 <a:solidFill>
                   <a:schemeClr val="tx1"/>
@@ -16143,7 +18037,7 @@
               </a:buClr>
               <a:buNone/>
             </a:pPr>
-            <a:endParaRPr dirty="0">
+            <a:endParaRPr u="sng" dirty="0">
               <a:solidFill>
                 <a:schemeClr val="tx1"/>
               </a:solidFill>
